--- a/slides/01_meta-analytic-thinking.pptx
+++ b/slides/01_meta-analytic-thinking.pptx
@@ -5,73 +5,75 @@
     <p:sldMasterId id="2147483660" r:id="rId4"/>
   </p:sldMasterIdLst>
   <p:notesMasterIdLst>
-    <p:notesMasterId r:id="rId69"/>
+    <p:notesMasterId r:id="rId71"/>
   </p:notesMasterIdLst>
   <p:sldIdLst>
     <p:sldId id="257" r:id="rId5"/>
-    <p:sldId id="658" r:id="rId6"/>
-    <p:sldId id="261" r:id="rId7"/>
-    <p:sldId id="660" r:id="rId8"/>
-    <p:sldId id="659" r:id="rId9"/>
-    <p:sldId id="297" r:id="rId10"/>
-    <p:sldId id="310" r:id="rId11"/>
-    <p:sldId id="308" r:id="rId12"/>
-    <p:sldId id="298" r:id="rId13"/>
-    <p:sldId id="299" r:id="rId14"/>
-    <p:sldId id="320" r:id="rId15"/>
-    <p:sldId id="300" r:id="rId16"/>
-    <p:sldId id="301" r:id="rId17"/>
-    <p:sldId id="302" r:id="rId18"/>
-    <p:sldId id="322" r:id="rId19"/>
-    <p:sldId id="348" r:id="rId20"/>
-    <p:sldId id="349" r:id="rId21"/>
-    <p:sldId id="350" r:id="rId22"/>
-    <p:sldId id="351" r:id="rId23"/>
-    <p:sldId id="353" r:id="rId24"/>
-    <p:sldId id="352" r:id="rId25"/>
-    <p:sldId id="354" r:id="rId26"/>
-    <p:sldId id="355" r:id="rId27"/>
-    <p:sldId id="356" r:id="rId28"/>
-    <p:sldId id="357" r:id="rId29"/>
-    <p:sldId id="268" r:id="rId30"/>
-    <p:sldId id="661" r:id="rId31"/>
-    <p:sldId id="662" r:id="rId32"/>
-    <p:sldId id="663" r:id="rId33"/>
-    <p:sldId id="664" r:id="rId34"/>
-    <p:sldId id="665" r:id="rId35"/>
-    <p:sldId id="666" r:id="rId36"/>
-    <p:sldId id="667" r:id="rId37"/>
-    <p:sldId id="668" r:id="rId38"/>
-    <p:sldId id="669" r:id="rId39"/>
-    <p:sldId id="670" r:id="rId40"/>
-    <p:sldId id="671" r:id="rId41"/>
-    <p:sldId id="672" r:id="rId42"/>
-    <p:sldId id="673" r:id="rId43"/>
-    <p:sldId id="675" r:id="rId44"/>
-    <p:sldId id="674" r:id="rId45"/>
-    <p:sldId id="676" r:id="rId46"/>
-    <p:sldId id="677" r:id="rId47"/>
-    <p:sldId id="687" r:id="rId48"/>
-    <p:sldId id="678" r:id="rId49"/>
-    <p:sldId id="679" r:id="rId50"/>
-    <p:sldId id="680" r:id="rId51"/>
-    <p:sldId id="682" r:id="rId52"/>
-    <p:sldId id="683" r:id="rId53"/>
-    <p:sldId id="686" r:id="rId54"/>
-    <p:sldId id="684" r:id="rId55"/>
-    <p:sldId id="681" r:id="rId56"/>
-    <p:sldId id="685" r:id="rId57"/>
-    <p:sldId id="688" r:id="rId58"/>
-    <p:sldId id="689" r:id="rId59"/>
-    <p:sldId id="381" r:id="rId60"/>
-    <p:sldId id="690" r:id="rId61"/>
-    <p:sldId id="384" r:id="rId62"/>
-    <p:sldId id="363" r:id="rId63"/>
-    <p:sldId id="371" r:id="rId64"/>
-    <p:sldId id="653" r:id="rId65"/>
-    <p:sldId id="383" r:id="rId66"/>
-    <p:sldId id="382" r:id="rId67"/>
-    <p:sldId id="359" r:id="rId68"/>
+    <p:sldId id="692" r:id="rId6"/>
+    <p:sldId id="691" r:id="rId7"/>
+    <p:sldId id="658" r:id="rId8"/>
+    <p:sldId id="261" r:id="rId9"/>
+    <p:sldId id="660" r:id="rId10"/>
+    <p:sldId id="659" r:id="rId11"/>
+    <p:sldId id="297" r:id="rId12"/>
+    <p:sldId id="310" r:id="rId13"/>
+    <p:sldId id="308" r:id="rId14"/>
+    <p:sldId id="298" r:id="rId15"/>
+    <p:sldId id="299" r:id="rId16"/>
+    <p:sldId id="320" r:id="rId17"/>
+    <p:sldId id="300" r:id="rId18"/>
+    <p:sldId id="301" r:id="rId19"/>
+    <p:sldId id="302" r:id="rId20"/>
+    <p:sldId id="322" r:id="rId21"/>
+    <p:sldId id="348" r:id="rId22"/>
+    <p:sldId id="349" r:id="rId23"/>
+    <p:sldId id="350" r:id="rId24"/>
+    <p:sldId id="351" r:id="rId25"/>
+    <p:sldId id="353" r:id="rId26"/>
+    <p:sldId id="352" r:id="rId27"/>
+    <p:sldId id="354" r:id="rId28"/>
+    <p:sldId id="355" r:id="rId29"/>
+    <p:sldId id="356" r:id="rId30"/>
+    <p:sldId id="357" r:id="rId31"/>
+    <p:sldId id="268" r:id="rId32"/>
+    <p:sldId id="661" r:id="rId33"/>
+    <p:sldId id="662" r:id="rId34"/>
+    <p:sldId id="663" r:id="rId35"/>
+    <p:sldId id="664" r:id="rId36"/>
+    <p:sldId id="665" r:id="rId37"/>
+    <p:sldId id="666" r:id="rId38"/>
+    <p:sldId id="667" r:id="rId39"/>
+    <p:sldId id="668" r:id="rId40"/>
+    <p:sldId id="669" r:id="rId41"/>
+    <p:sldId id="670" r:id="rId42"/>
+    <p:sldId id="671" r:id="rId43"/>
+    <p:sldId id="672" r:id="rId44"/>
+    <p:sldId id="673" r:id="rId45"/>
+    <p:sldId id="675" r:id="rId46"/>
+    <p:sldId id="674" r:id="rId47"/>
+    <p:sldId id="676" r:id="rId48"/>
+    <p:sldId id="677" r:id="rId49"/>
+    <p:sldId id="687" r:id="rId50"/>
+    <p:sldId id="678" r:id="rId51"/>
+    <p:sldId id="679" r:id="rId52"/>
+    <p:sldId id="680" r:id="rId53"/>
+    <p:sldId id="682" r:id="rId54"/>
+    <p:sldId id="683" r:id="rId55"/>
+    <p:sldId id="686" r:id="rId56"/>
+    <p:sldId id="684" r:id="rId57"/>
+    <p:sldId id="681" r:id="rId58"/>
+    <p:sldId id="685" r:id="rId59"/>
+    <p:sldId id="688" r:id="rId60"/>
+    <p:sldId id="689" r:id="rId61"/>
+    <p:sldId id="381" r:id="rId62"/>
+    <p:sldId id="690" r:id="rId63"/>
+    <p:sldId id="384" r:id="rId64"/>
+    <p:sldId id="363" r:id="rId65"/>
+    <p:sldId id="371" r:id="rId66"/>
+    <p:sldId id="653" r:id="rId67"/>
+    <p:sldId id="383" r:id="rId68"/>
+    <p:sldId id="382" r:id="rId69"/>
+    <p:sldId id="359" r:id="rId70"/>
   </p:sldIdLst>
   <p:sldSz cx="12192000" cy="6858000"/>
   <p:notesSz cx="6858000" cy="9144000"/>
@@ -3592,7 +3594,7 @@
           <a:p>
             <a:fld id="{A5B9E9DD-BE87-46D0-98E6-18D835742F3D}" type="datetimeFigureOut">
               <a:rPr lang="en-US" smtClean="0"/>
-              <a:t>3/7/22</a:t>
+              <a:t>3/7/2022</a:t>
             </a:fld>
             <a:endParaRPr lang="en-US"/>
           </a:p>
@@ -4002,7 +4004,7 @@
             <a:fld id="{4A030839-E345-472D-86EC-CC09406C072A}" type="slidenum">
               <a:rPr lang="en-US" altLang="en-US" sz="1200" smtClean="0"/>
               <a:pPr/>
-              <a:t>9</a:t>
+              <a:t>11</a:t>
             </a:fld>
             <a:endParaRPr lang="en-US" altLang="en-US" sz="1200"/>
           </a:p>
@@ -4204,7 +4206,7 @@
             <a:fld id="{36C9A8F0-6890-4358-89CD-BF2A743FD985}" type="slidenum">
               <a:rPr lang="en-US" altLang="en-US" sz="1200" smtClean="0"/>
               <a:pPr/>
-              <a:t>11</a:t>
+              <a:t>13</a:t>
             </a:fld>
             <a:endParaRPr lang="en-US" altLang="en-US" sz="1200"/>
           </a:p>
@@ -4406,7 +4408,7 @@
             <a:fld id="{254B1FD7-252F-47C0-A093-54D3A2CC7625}" type="slidenum">
               <a:rPr lang="en-US" altLang="en-US" sz="1200" smtClean="0"/>
               <a:pPr/>
-              <a:t>12</a:t>
+              <a:t>14</a:t>
             </a:fld>
             <a:endParaRPr lang="en-US" altLang="en-US" sz="1200"/>
           </a:p>
@@ -4608,7 +4610,7 @@
             <a:fld id="{8F0559B0-52D3-4F1E-95E7-26DC9E7FB080}" type="slidenum">
               <a:rPr lang="en-US" altLang="en-US" sz="1200" smtClean="0"/>
               <a:pPr/>
-              <a:t>13</a:t>
+              <a:t>15</a:t>
             </a:fld>
             <a:endParaRPr lang="en-US" altLang="en-US" sz="1200"/>
           </a:p>
@@ -4810,7 +4812,7 @@
             <a:fld id="{8F0559B0-52D3-4F1E-95E7-26DC9E7FB080}" type="slidenum">
               <a:rPr lang="en-US" altLang="en-US" sz="1200" smtClean="0"/>
               <a:pPr/>
-              <a:t>14</a:t>
+              <a:t>16</a:t>
             </a:fld>
             <a:endParaRPr lang="en-US" altLang="en-US" sz="1200"/>
           </a:p>
@@ -4950,7 +4952,7 @@
           <a:p>
             <a:fld id="{B9185BBB-48A1-4C23-BCE2-B1BAE3FE1DCC}" type="slidenum">
               <a:rPr lang="en-US" smtClean="0"/>
-              <a:t>20</a:t>
+              <a:t>22</a:t>
             </a:fld>
             <a:endParaRPr lang="en-US"/>
           </a:p>
@@ -5123,7 +5125,7 @@
             <a:fld id="{137D20AF-BD44-4664-81DD-73190DBB9B99}" type="slidenum">
               <a:rPr lang="en-US" smtClean="0"/>
               <a:pPr/>
-              <a:t>64</a:t>
+              <a:t>66</a:t>
             </a:fld>
             <a:endParaRPr lang="en-US"/>
           </a:p>
@@ -7569,25 +7571,6 @@
           </a:p>
         </p:txBody>
       </p:sp>
-      <p:sp>
-        <p:nvSpPr>
-          <p:cNvPr id="3" name="Subtitle 2"/>
-          <p:cNvSpPr>
-            <a:spLocks noGrp="1"/>
-          </p:cNvSpPr>
-          <p:nvPr>
-            <p:ph type="subTitle" idx="1"/>
-          </p:nvPr>
-        </p:nvSpPr>
-        <p:spPr/>
-        <p:txBody>
-          <a:bodyPr/>
-          <a:lstStyle/>
-          <a:p>
-            <a:endParaRPr lang="en-US"/>
-          </a:p>
-        </p:txBody>
-      </p:sp>
     </p:spTree>
     <p:extLst>
       <p:ext uri="{BB962C8B-B14F-4D97-AF65-F5344CB8AC3E}">
@@ -7602,6 +7585,239 @@
 </file>
 
 <file path=ppt/slides/slide10.xml><?xml version="1.0" encoding="utf-8"?>
+<p:sld xmlns:a="http://schemas.openxmlformats.org/drawingml/2006/main" xmlns:r="http://schemas.openxmlformats.org/officeDocument/2006/relationships" xmlns:p="http://schemas.openxmlformats.org/presentationml/2006/main">
+  <p:cSld>
+    <p:spTree>
+      <p:nvGrpSpPr>
+        <p:cNvPr id="1" name=""/>
+        <p:cNvGrpSpPr/>
+        <p:nvPr/>
+      </p:nvGrpSpPr>
+      <p:grpSpPr>
+        <a:xfrm>
+          <a:off x="0" y="0"/>
+          <a:ext cx="0" cy="0"/>
+          <a:chOff x="0" y="0"/>
+          <a:chExt cx="0" cy="0"/>
+        </a:xfrm>
+      </p:grpSpPr>
+      <p:sp>
+        <p:nvSpPr>
+          <p:cNvPr id="2" name="Title 1"/>
+          <p:cNvSpPr>
+            <a:spLocks noGrp="1"/>
+          </p:cNvSpPr>
+          <p:nvPr>
+            <p:ph type="title"/>
+          </p:nvPr>
+        </p:nvSpPr>
+        <p:spPr/>
+        <p:txBody>
+          <a:bodyPr/>
+          <a:lstStyle/>
+          <a:p>
+            <a:r>
+              <a:rPr lang="en-US"/>
+              <a:t>Meta-analytic reviews</a:t>
+            </a:r>
+          </a:p>
+        </p:txBody>
+      </p:sp>
+      <p:sp>
+        <p:nvSpPr>
+          <p:cNvPr id="3" name="Content Placeholder 2"/>
+          <p:cNvSpPr>
+            <a:spLocks noGrp="1"/>
+          </p:cNvSpPr>
+          <p:nvPr>
+            <p:ph idx="1"/>
+          </p:nvPr>
+        </p:nvSpPr>
+        <p:spPr/>
+        <p:txBody>
+          <a:bodyPr>
+            <a:normAutofit fontScale="92500" lnSpcReduction="10000"/>
+          </a:bodyPr>
+          <a:lstStyle/>
+          <a:p>
+            <a:r>
+              <a:rPr lang="en-US" dirty="0"/>
+              <a:t>Meta-analysis is most frequently applied when conducting a review of a research literature</a:t>
+            </a:r>
+          </a:p>
+          <a:p>
+            <a:pPr lvl="1"/>
+            <a:r>
+              <a:rPr lang="en-US" dirty="0"/>
+              <a:t>As an alternative to narrative reviews</a:t>
+            </a:r>
+          </a:p>
+          <a:p>
+            <a:endParaRPr lang="en-US" dirty="0"/>
+          </a:p>
+          <a:p>
+            <a:r>
+              <a:rPr lang="en-US" dirty="0"/>
+              <a:t>A meta-analytic review is only useful if the review is carefully conducted and comprehensive</a:t>
+            </a:r>
+          </a:p>
+          <a:p>
+            <a:pPr lvl="1"/>
+            <a:r>
+              <a:rPr lang="en-US" dirty="0"/>
+              <a:t>Medical meta-analyses are highly concerned with the quality of the review</a:t>
+            </a:r>
+          </a:p>
+          <a:p>
+            <a:pPr lvl="1"/>
+            <a:r>
+              <a:rPr lang="en-US" dirty="0"/>
+              <a:t>Many psychology meta-analyses are rather sloppy with their review methods</a:t>
+            </a:r>
+          </a:p>
+          <a:p>
+            <a:pPr lvl="2"/>
+            <a:r>
+              <a:rPr lang="en-US" dirty="0"/>
+              <a:t>This has been improving in recent years</a:t>
+            </a:r>
+          </a:p>
+          <a:p>
+            <a:endParaRPr lang="en-US" dirty="0"/>
+          </a:p>
+        </p:txBody>
+      </p:sp>
+    </p:spTree>
+    <p:extLst>
+      <p:ext uri="{BB962C8B-B14F-4D97-AF65-F5344CB8AC3E}">
+        <p14:creationId xmlns:p14="http://schemas.microsoft.com/office/powerpoint/2010/main" val="669617713"/>
+      </p:ext>
+    </p:extLst>
+  </p:cSld>
+  <p:clrMapOvr>
+    <a:masterClrMapping/>
+  </p:clrMapOvr>
+</p:sld>
+</file>
+
+<file path=ppt/slides/slide11.xml><?xml version="1.0" encoding="utf-8"?>
+<p:sld xmlns:a="http://schemas.openxmlformats.org/drawingml/2006/main" xmlns:r="http://schemas.openxmlformats.org/officeDocument/2006/relationships" xmlns:p="http://schemas.openxmlformats.org/presentationml/2006/main">
+  <p:cSld>
+    <p:spTree>
+      <p:nvGrpSpPr>
+        <p:cNvPr id="1" name=""/>
+        <p:cNvGrpSpPr/>
+        <p:nvPr/>
+      </p:nvGrpSpPr>
+      <p:grpSpPr>
+        <a:xfrm>
+          <a:off x="0" y="0"/>
+          <a:ext cx="0" cy="0"/>
+          <a:chOff x="0" y="0"/>
+          <a:chExt cx="0" cy="0"/>
+        </a:xfrm>
+      </p:grpSpPr>
+      <p:sp>
+        <p:nvSpPr>
+          <p:cNvPr id="9218" name="Rectangle 2"/>
+          <p:cNvSpPr>
+            <a:spLocks noGrp="1" noChangeArrowheads="1"/>
+          </p:cNvSpPr>
+          <p:nvPr>
+            <p:ph type="title"/>
+          </p:nvPr>
+        </p:nvSpPr>
+        <p:spPr/>
+        <p:txBody>
+          <a:bodyPr/>
+          <a:lstStyle/>
+          <a:p>
+            <a:r>
+              <a:rPr lang="en-US" altLang="en-US"/>
+              <a:t>When Can You Do Meta-analysis?</a:t>
+            </a:r>
+          </a:p>
+        </p:txBody>
+      </p:sp>
+      <p:sp>
+        <p:nvSpPr>
+          <p:cNvPr id="9219" name="Rectangle 3"/>
+          <p:cNvSpPr>
+            <a:spLocks noGrp="1" noChangeArrowheads="1"/>
+          </p:cNvSpPr>
+          <p:nvPr>
+            <p:ph type="body" idx="1"/>
+          </p:nvPr>
+        </p:nvSpPr>
+        <p:spPr/>
+        <p:txBody>
+          <a:bodyPr/>
+          <a:lstStyle/>
+          <a:p>
+            <a:r>
+              <a:rPr lang="en-US" altLang="en-US" dirty="0"/>
+              <a:t>Meta-analysis is applicable to research studies that</a:t>
+            </a:r>
+          </a:p>
+          <a:p>
+            <a:pPr lvl="1"/>
+            <a:r>
+              <a:rPr lang="en-US" altLang="en-US" sz="2600" dirty="0"/>
+              <a:t>Are empirical</a:t>
+            </a:r>
+          </a:p>
+          <a:p>
+            <a:pPr lvl="1"/>
+            <a:r>
+              <a:rPr lang="en-US" altLang="en-US" sz="2600" dirty="0"/>
+              <a:t>Produce </a:t>
+            </a:r>
+            <a:r>
+              <a:rPr lang="en-US" altLang="en-US" sz="2600" u="sng" dirty="0"/>
+              <a:t>quantitative</a:t>
+            </a:r>
+            <a:r>
+              <a:rPr lang="en-US" altLang="en-US" sz="2600" dirty="0"/>
+              <a:t> results</a:t>
+            </a:r>
+          </a:p>
+          <a:p>
+            <a:pPr lvl="1"/>
+            <a:r>
+              <a:rPr lang="en-US" altLang="en-US" sz="2600" dirty="0"/>
+              <a:t>Examine the same constructs/variables and relationships</a:t>
+            </a:r>
+          </a:p>
+          <a:p>
+            <a:pPr lvl="1"/>
+            <a:r>
+              <a:rPr lang="en-US" altLang="en-US" sz="2600" dirty="0"/>
+              <a:t>Have findings that can be expressed in a comparable statistical form (i.e., effect sizes: mean differences, correlation coefficients, odds-ratios, proportions, etc.)</a:t>
+            </a:r>
+          </a:p>
+          <a:p>
+            <a:pPr lvl="1"/>
+            <a:r>
+              <a:rPr lang="en-US" altLang="en-US" sz="2600" dirty="0"/>
+              <a:t>Are substantively “comparable” given the question at hand</a:t>
+            </a:r>
+          </a:p>
+        </p:txBody>
+      </p:sp>
+    </p:spTree>
+    <p:extLst>
+      <p:ext uri="{BB962C8B-B14F-4D97-AF65-F5344CB8AC3E}">
+        <p14:creationId xmlns:p14="http://schemas.microsoft.com/office/powerpoint/2010/main" val="3237798787"/>
+      </p:ext>
+    </p:extLst>
+  </p:cSld>
+  <p:clrMapOvr>
+    <a:masterClrMapping/>
+  </p:clrMapOvr>
+</p:sld>
+</file>
+
+<file path=ppt/slides/slide12.xml><?xml version="1.0" encoding="utf-8"?>
 <p:sld xmlns:a="http://schemas.openxmlformats.org/drawingml/2006/main" xmlns:r="http://schemas.openxmlformats.org/officeDocument/2006/relationships" xmlns:p="http://schemas.openxmlformats.org/presentationml/2006/main">
   <p:cSld>
     <p:spTree>
@@ -8058,7 +8274,7 @@
 </p:sld>
 </file>
 
-<file path=ppt/slides/slide11.xml><?xml version="1.0" encoding="utf-8"?>
+<file path=ppt/slides/slide13.xml><?xml version="1.0" encoding="utf-8"?>
 <p:sld xmlns:a="http://schemas.openxmlformats.org/drawingml/2006/main" xmlns:r="http://schemas.openxmlformats.org/officeDocument/2006/relationships" xmlns:p="http://schemas.openxmlformats.org/presentationml/2006/main">
   <p:cSld>
     <p:spTree>
@@ -9215,7 +9431,7 @@
 </p:sld>
 </file>
 
-<file path=ppt/slides/slide12.xml><?xml version="1.0" encoding="utf-8"?>
+<file path=ppt/slides/slide14.xml><?xml version="1.0" encoding="utf-8"?>
 <p:sld xmlns:a="http://schemas.openxmlformats.org/drawingml/2006/main" xmlns:r="http://schemas.openxmlformats.org/officeDocument/2006/relationships" xmlns:p="http://schemas.openxmlformats.org/presentationml/2006/main">
   <p:cSld>
     <p:spTree>
@@ -9313,7 +9529,7 @@
 </p:sld>
 </file>
 
-<file path=ppt/slides/slide13.xml><?xml version="1.0" encoding="utf-8"?>
+<file path=ppt/slides/slide15.xml><?xml version="1.0" encoding="utf-8"?>
 <p:sld xmlns:a="http://schemas.openxmlformats.org/drawingml/2006/main" xmlns:r="http://schemas.openxmlformats.org/officeDocument/2006/relationships" xmlns:p="http://schemas.openxmlformats.org/presentationml/2006/main">
   <p:cSld>
     <p:spTree>
@@ -9447,7 +9663,7 @@
 </p:sld>
 </file>
 
-<file path=ppt/slides/slide14.xml><?xml version="1.0" encoding="utf-8"?>
+<file path=ppt/slides/slide16.xml><?xml version="1.0" encoding="utf-8"?>
 <p:sld xmlns:a="http://schemas.openxmlformats.org/drawingml/2006/main" xmlns:r="http://schemas.openxmlformats.org/officeDocument/2006/relationships" xmlns:p="http://schemas.openxmlformats.org/presentationml/2006/main">
   <p:cSld>
     <p:spTree>
@@ -9542,7 +9758,7 @@
 </p:sld>
 </file>
 
-<file path=ppt/slides/slide15.xml><?xml version="1.0" encoding="utf-8"?>
+<file path=ppt/slides/slide17.xml><?xml version="1.0" encoding="utf-8"?>
 <p:sld xmlns:a="http://schemas.openxmlformats.org/drawingml/2006/main" xmlns:r="http://schemas.openxmlformats.org/officeDocument/2006/relationships" xmlns:p="http://schemas.openxmlformats.org/presentationml/2006/main">
   <p:cSld>
     <p:spTree>
@@ -9613,7 +9829,7 @@
 </p:sld>
 </file>
 
-<file path=ppt/slides/slide16.xml><?xml version="1.0" encoding="utf-8"?>
+<file path=ppt/slides/slide18.xml><?xml version="1.0" encoding="utf-8"?>
 <p:sld xmlns:a="http://schemas.openxmlformats.org/drawingml/2006/main" xmlns:r="http://schemas.openxmlformats.org/officeDocument/2006/relationships" xmlns:p="http://schemas.openxmlformats.org/presentationml/2006/main">
   <p:cSld>
     <p:spTree>
@@ -9804,7 +10020,7 @@
 </p:sld>
 </file>
 
-<file path=ppt/slides/slide17.xml><?xml version="1.0" encoding="utf-8"?>
+<file path=ppt/slides/slide19.xml><?xml version="1.0" encoding="utf-8"?>
 <p:sld xmlns:a="http://schemas.openxmlformats.org/drawingml/2006/main" xmlns:r="http://schemas.openxmlformats.org/officeDocument/2006/relationships" xmlns:p="http://schemas.openxmlformats.org/presentationml/2006/main">
   <p:cSld>
     <p:spTree>
@@ -9992,304 +10208,6 @@
 </p:sld>
 </file>
 
-<file path=ppt/slides/slide18.xml><?xml version="1.0" encoding="utf-8"?>
-<p:sld xmlns:a="http://schemas.openxmlformats.org/drawingml/2006/main" xmlns:r="http://schemas.openxmlformats.org/officeDocument/2006/relationships" xmlns:p="http://schemas.openxmlformats.org/presentationml/2006/main">
-  <p:cSld>
-    <p:spTree>
-      <p:nvGrpSpPr>
-        <p:cNvPr id="1" name=""/>
-        <p:cNvGrpSpPr/>
-        <p:nvPr/>
-      </p:nvGrpSpPr>
-      <p:grpSpPr>
-        <a:xfrm>
-          <a:off x="0" y="0"/>
-          <a:ext cx="0" cy="0"/>
-          <a:chOff x="0" y="0"/>
-          <a:chExt cx="0" cy="0"/>
-        </a:xfrm>
-      </p:grpSpPr>
-      <p:sp>
-        <p:nvSpPr>
-          <p:cNvPr id="2" name="Title 1"/>
-          <p:cNvSpPr>
-            <a:spLocks noGrp="1"/>
-          </p:cNvSpPr>
-          <p:nvPr>
-            <p:ph type="title"/>
-          </p:nvPr>
-        </p:nvSpPr>
-        <p:spPr/>
-        <p:txBody>
-          <a:bodyPr/>
-          <a:lstStyle/>
-          <a:p>
-            <a:r>
-              <a:rPr lang="en-US"/>
-              <a:t>Conclusions based on example</a:t>
-            </a:r>
-          </a:p>
-        </p:txBody>
-      </p:sp>
-      <p:sp>
-        <p:nvSpPr>
-          <p:cNvPr id="3" name="Content Placeholder 2"/>
-          <p:cNvSpPr>
-            <a:spLocks noGrp="1"/>
-          </p:cNvSpPr>
-          <p:nvPr>
-            <p:ph idx="1"/>
-          </p:nvPr>
-        </p:nvSpPr>
-        <p:spPr/>
-        <p:txBody>
-          <a:bodyPr/>
-          <a:lstStyle/>
-          <a:p>
-            <a:r>
-              <a:rPr lang="en-US"/>
-              <a:t>Every one of the correlations was randomly drawn from the same sample</a:t>
-            </a:r>
-          </a:p>
-          <a:p>
-            <a:pPr lvl="1"/>
-            <a:r>
-              <a:rPr lang="en-US"/>
-              <a:t>Population r = .33 in all samples</a:t>
-            </a:r>
-          </a:p>
-          <a:p>
-            <a:pPr lvl="1"/>
-            <a:r>
-              <a:rPr lang="en-US"/>
-              <a:t>Sample r’s ranged from -.10 to .56</a:t>
-            </a:r>
-          </a:p>
-          <a:p>
-            <a:r>
-              <a:rPr lang="en-US"/>
-              <a:t>The null hypothesis was never true!</a:t>
-            </a:r>
-          </a:p>
-          <a:p>
-            <a:pPr lvl="1"/>
-            <a:r>
-              <a:rPr lang="en-US"/>
-              <a:t>In all samples, the true r = .33</a:t>
-            </a:r>
-          </a:p>
-          <a:p>
-            <a:pPr lvl="1"/>
-            <a:r>
-              <a:rPr lang="en-US"/>
-              <a:t>The significance test found no relationship 11 times</a:t>
-            </a:r>
-          </a:p>
-          <a:p>
-            <a:pPr lvl="1"/>
-            <a:r>
-              <a:rPr lang="en-US"/>
-              <a:t>11 / 30 = </a:t>
-            </a:r>
-            <a:r>
-              <a:rPr lang="en-US" b="1"/>
-              <a:t>Error rate of 37%</a:t>
-            </a:r>
-            <a:endParaRPr lang="en-US"/>
-          </a:p>
-          <a:p>
-            <a:pPr lvl="1"/>
-            <a:r>
-              <a:rPr lang="en-US"/>
-              <a:t>Not an error rate of 5%!</a:t>
-            </a:r>
-          </a:p>
-        </p:txBody>
-      </p:sp>
-    </p:spTree>
-    <p:extLst>
-      <p:ext uri="{BB962C8B-B14F-4D97-AF65-F5344CB8AC3E}">
-        <p14:creationId xmlns:p14="http://schemas.microsoft.com/office/powerpoint/2010/main" val="3200220080"/>
-      </p:ext>
-    </p:extLst>
-  </p:cSld>
-  <p:clrMapOvr>
-    <a:masterClrMapping/>
-  </p:clrMapOvr>
-</p:sld>
-</file>
-
-<file path=ppt/slides/slide19.xml><?xml version="1.0" encoding="utf-8"?>
-<p:sld xmlns:a="http://schemas.openxmlformats.org/drawingml/2006/main" xmlns:r="http://schemas.openxmlformats.org/officeDocument/2006/relationships" xmlns:p="http://schemas.openxmlformats.org/presentationml/2006/main">
-  <p:cSld>
-    <p:spTree>
-      <p:nvGrpSpPr>
-        <p:cNvPr id="1" name=""/>
-        <p:cNvGrpSpPr/>
-        <p:nvPr/>
-      </p:nvGrpSpPr>
-      <p:grpSpPr>
-        <a:xfrm>
-          <a:off x="0" y="0"/>
-          <a:ext cx="0" cy="0"/>
-          <a:chOff x="0" y="0"/>
-          <a:chExt cx="0" cy="0"/>
-        </a:xfrm>
-      </p:grpSpPr>
-      <p:sp>
-        <p:nvSpPr>
-          <p:cNvPr id="2" name="Title 1"/>
-          <p:cNvSpPr>
-            <a:spLocks noGrp="1"/>
-          </p:cNvSpPr>
-          <p:nvPr>
-            <p:ph type="title"/>
-          </p:nvPr>
-        </p:nvSpPr>
-        <p:spPr/>
-        <p:txBody>
-          <a:bodyPr/>
-          <a:lstStyle/>
-          <a:p>
-            <a:r>
-              <a:rPr lang="en-US"/>
-              <a:t>The problem with </a:t>
-            </a:r>
-            <a:r>
-              <a:rPr lang="en-US" i="1"/>
-              <a:t>p</a:t>
-            </a:r>
-            <a:r>
-              <a:rPr lang="en-US"/>
-              <a:t> values</a:t>
-            </a:r>
-          </a:p>
-        </p:txBody>
-      </p:sp>
-      <p:sp>
-        <p:nvSpPr>
-          <p:cNvPr id="3" name="Content Placeholder 2"/>
-          <p:cNvSpPr>
-            <a:spLocks noGrp="1"/>
-          </p:cNvSpPr>
-          <p:nvPr>
-            <p:ph idx="1"/>
-          </p:nvPr>
-        </p:nvSpPr>
-        <p:spPr/>
-        <p:txBody>
-          <a:bodyPr/>
-          <a:lstStyle/>
-          <a:p>
-            <a:r>
-              <a:rPr lang="en-US"/>
-              <a:t>Significance tests test the hypothesis that the population value precisely equals a null value (usually 0)</a:t>
-            </a:r>
-          </a:p>
-          <a:p>
-            <a:pPr lvl="1"/>
-            <a:r>
-              <a:rPr lang="en-US"/>
-              <a:t>This is virtually never true</a:t>
-            </a:r>
-          </a:p>
-          <a:p>
-            <a:r>
-              <a:rPr lang="en-US"/>
-              <a:t>Significance tests are highly dependent on sample size</a:t>
-            </a:r>
-          </a:p>
-          <a:p>
-            <a:pPr lvl="1"/>
-            <a:r>
-              <a:rPr lang="en-US"/>
-              <a:t>With small </a:t>
-            </a:r>
-            <a:r>
-              <a:rPr lang="en-US" i="1"/>
-              <a:t>N</a:t>
-            </a:r>
-            <a:r>
-              <a:rPr lang="en-US"/>
-              <a:t>, virtually nothing is significant</a:t>
-            </a:r>
-          </a:p>
-          <a:p>
-            <a:pPr lvl="1"/>
-            <a:r>
-              <a:rPr lang="en-US"/>
-              <a:t>With large </a:t>
-            </a:r>
-            <a:r>
-              <a:rPr lang="en-US" i="1"/>
-              <a:t>N</a:t>
-            </a:r>
-            <a:r>
-              <a:rPr lang="en-US"/>
-              <a:t>, most everything is significant</a:t>
-            </a:r>
-            <a:br>
-              <a:rPr lang="en-US"/>
-            </a:br>
-            <a:r>
-              <a:rPr lang="en-US"/>
-              <a:t>At </a:t>
-            </a:r>
-            <a:r>
-              <a:rPr lang="en-US" i="1"/>
-              <a:t>N</a:t>
-            </a:r>
-            <a:r>
-              <a:rPr lang="en-US"/>
-              <a:t> = 153,629, </a:t>
-            </a:r>
-            <a:r>
-              <a:rPr lang="en-US" i="1"/>
-              <a:t>r</a:t>
-            </a:r>
-            <a:r>
-              <a:rPr lang="en-US"/>
-              <a:t> = .01 is significant at </a:t>
-            </a:r>
-            <a:r>
-              <a:rPr lang="en-US" i="1"/>
-              <a:t>p</a:t>
-            </a:r>
-            <a:r>
-              <a:rPr lang="en-US"/>
-              <a:t> &lt; .05</a:t>
-            </a:r>
-            <a:br>
-              <a:rPr lang="en-US"/>
-            </a:br>
-            <a:r>
-              <a:rPr lang="en-US"/>
-              <a:t>(Notice how most SEM studies ignore the χ</a:t>
-            </a:r>
-            <a:r>
-              <a:rPr lang="en-US" baseline="30000"/>
-              <a:t>2</a:t>
-            </a:r>
-            <a:r>
-              <a:rPr lang="en-US"/>
-              <a:t> test)</a:t>
-            </a:r>
-          </a:p>
-        </p:txBody>
-      </p:sp>
-    </p:spTree>
-    <p:extLst>
-      <p:ext uri="{BB962C8B-B14F-4D97-AF65-F5344CB8AC3E}">
-        <p14:creationId xmlns:p14="http://schemas.microsoft.com/office/powerpoint/2010/main" val="186085884"/>
-      </p:ext>
-    </p:extLst>
-  </p:cSld>
-  <p:clrMapOvr>
-    <a:masterClrMapping/>
-  </p:clrMapOvr>
-</p:sld>
-</file>
-
 <file path=ppt/slides/slide2.xml><?xml version="1.0" encoding="utf-8"?>
 <p:sld xmlns:a="http://schemas.openxmlformats.org/drawingml/2006/main" xmlns:r="http://schemas.openxmlformats.org/officeDocument/2006/relationships" xmlns:p="http://schemas.openxmlformats.org/presentationml/2006/main">
   <p:cSld>
@@ -10312,7 +10230,7 @@
           <p:cNvPr id="2" name="Title 1">
             <a:extLst>
               <a:ext uri="{FF2B5EF4-FFF2-40B4-BE49-F238E27FC236}">
-                <a16:creationId xmlns:a16="http://schemas.microsoft.com/office/drawing/2014/main" id="{F0A31540-E79A-674C-81DA-3380D2AC370D}"/>
+                <a16:creationId xmlns:a16="http://schemas.microsoft.com/office/drawing/2014/main" id="{E3DE3D6D-AAEB-4503-A56B-FBB509118F05}"/>
               </a:ext>
             </a:extLst>
           </p:cNvPr>
@@ -10325,14 +10243,12 @@
         </p:nvSpPr>
         <p:spPr/>
         <p:txBody>
-          <a:bodyPr>
-            <a:normAutofit fontScale="90000"/>
-          </a:bodyPr>
+          <a:bodyPr/>
           <a:lstStyle/>
           <a:p>
             <a:r>
               <a:rPr lang="en-US" dirty="0"/>
-              <a:t>Evidence synthesis &amp; systematic reviews</a:t>
+              <a:t>Brenton Wiernik</a:t>
             </a:r>
           </a:p>
         </p:txBody>
@@ -10342,7 +10258,7 @@
           <p:cNvPr id="3" name="Content Placeholder 2">
             <a:extLst>
               <a:ext uri="{FF2B5EF4-FFF2-40B4-BE49-F238E27FC236}">
-                <a16:creationId xmlns:a16="http://schemas.microsoft.com/office/drawing/2014/main" id="{B32ECC06-FCC6-F44E-8512-30B6428955DC}"/>
+                <a16:creationId xmlns:a16="http://schemas.microsoft.com/office/drawing/2014/main" id="{44EB7D40-F62B-4902-B623-71FA98812BEA}"/>
               </a:ext>
             </a:extLst>
           </p:cNvPr>
@@ -10355,69 +10271,71 @@
         </p:nvSpPr>
         <p:spPr/>
         <p:txBody>
-          <a:bodyPr>
-            <a:normAutofit fontScale="92500" lnSpcReduction="10000"/>
-          </a:bodyPr>
+          <a:bodyPr/>
           <a:lstStyle/>
           <a:p>
             <a:r>
               <a:rPr lang="en-US" dirty="0"/>
-              <a:t>Systematic review: Research synthesis as a scientific process </a:t>
-            </a:r>
+              <a:t>Personality and work psychologist</a:t>
+            </a:r>
+          </a:p>
+          <a:p>
+            <a:endParaRPr lang="en-US" dirty="0"/>
           </a:p>
           <a:p>
             <a:r>
               <a:rPr lang="en-US" dirty="0"/>
-              <a:t>Emphasis on transparent, replicable, and systematic methods to </a:t>
-            </a:r>
-            <a:br>
+              <a:t>Conducted meta-analyses on</a:t>
+            </a:r>
+          </a:p>
+          <a:p>
+            <a:pPr lvl="1"/>
+            <a:r>
               <a:rPr lang="en-US" dirty="0"/>
-            </a:br>
+              <a:t>Personality traits</a:t>
+            </a:r>
+          </a:p>
+          <a:p>
+            <a:pPr lvl="1"/>
             <a:r>
               <a:rPr lang="en-US" dirty="0"/>
-              <a:t>“limit bias in the assembly, critical appraisal, and synthesis of all relevant studies on a specific topic” (Last, 2001) </a:t>
-            </a:r>
-          </a:p>
-          <a:p>
-            <a:endParaRPr lang="en-US" dirty="0"/>
-          </a:p>
-          <a:p>
+              <a:t>Career attitudes</a:t>
+            </a:r>
+          </a:p>
+          <a:p>
+            <a:pPr lvl="1"/>
             <a:r>
               <a:rPr lang="en-US" dirty="0"/>
-              <a:t>Transparency and clarity is key</a:t>
-            </a:r>
-          </a:p>
-          <a:p>
+              <a:t>Hurricane evacuation behaviors</a:t>
+            </a:r>
+          </a:p>
+          <a:p>
+            <a:pPr lvl="1"/>
             <a:r>
               <a:rPr lang="en-US" dirty="0"/>
-              <a:t>Synthesis can use qualitative and/or quantitative methods </a:t>
-            </a:r>
-          </a:p>
-          <a:p>
+              <a:t>Vaccine uptake</a:t>
+            </a:r>
+          </a:p>
+          <a:p>
+            <a:pPr lvl="1"/>
             <a:r>
               <a:rPr lang="en-US" dirty="0"/>
-              <a:t>For some history, see Chalmers et al. (2002, </a:t>
-            </a:r>
-            <a:r>
-              <a:rPr lang="en-US" u="sng" dirty="0">
-                <a:hlinkClick r:id="rId2"/>
-              </a:rPr>
-              <a:t>https://doi.org/bvwspb</a:t>
-            </a:r>
+              <a:t>Music intonation therapy for stroke patients</a:t>
+            </a:r>
+          </a:p>
+          <a:p>
+            <a:pPr lvl="1"/>
             <a:r>
               <a:rPr lang="en-US" dirty="0"/>
-              <a:t>) </a:t>
-            </a:r>
-          </a:p>
-          <a:p>
-            <a:endParaRPr lang="en-US" dirty="0"/>
+              <a:t>…</a:t>
+            </a:r>
           </a:p>
         </p:txBody>
       </p:sp>
     </p:spTree>
     <p:extLst>
       <p:ext uri="{BB962C8B-B14F-4D97-AF65-F5344CB8AC3E}">
-        <p14:creationId xmlns:p14="http://schemas.microsoft.com/office/powerpoint/2010/main" val="437962352"/>
+        <p14:creationId xmlns:p14="http://schemas.microsoft.com/office/powerpoint/2010/main" val="886592046"/>
       </p:ext>
     </p:extLst>
   </p:cSld>
@@ -10461,15 +10379,7 @@
           <a:p>
             <a:r>
               <a:rPr lang="en-US"/>
-              <a:t>The problem with </a:t>
-            </a:r>
-            <a:r>
-              <a:rPr lang="en-US" i="1"/>
-              <a:t>p </a:t>
-            </a:r>
-            <a:r>
-              <a:rPr lang="en-US"/>
-              <a:t>values</a:t>
+              <a:t>Conclusions based on example</a:t>
             </a:r>
           </a:p>
         </p:txBody>
@@ -10491,7 +10401,112 @@
           <a:p>
             <a:r>
               <a:rPr lang="en-US"/>
-              <a:t>Most importantly, </a:t>
+              <a:t>Every one of the correlations was randomly drawn from the same sample</a:t>
+            </a:r>
+          </a:p>
+          <a:p>
+            <a:pPr lvl="1"/>
+            <a:r>
+              <a:rPr lang="en-US"/>
+              <a:t>Population r = .33 in all samples</a:t>
+            </a:r>
+          </a:p>
+          <a:p>
+            <a:pPr lvl="1"/>
+            <a:r>
+              <a:rPr lang="en-US"/>
+              <a:t>Sample r’s ranged from -.10 to .56</a:t>
+            </a:r>
+          </a:p>
+          <a:p>
+            <a:r>
+              <a:rPr lang="en-US"/>
+              <a:t>The null hypothesis was never true!</a:t>
+            </a:r>
+          </a:p>
+          <a:p>
+            <a:pPr lvl="1"/>
+            <a:r>
+              <a:rPr lang="en-US"/>
+              <a:t>In all samples, the true r = .33</a:t>
+            </a:r>
+          </a:p>
+          <a:p>
+            <a:pPr lvl="1"/>
+            <a:r>
+              <a:rPr lang="en-US"/>
+              <a:t>The significance test found no relationship 11 times</a:t>
+            </a:r>
+          </a:p>
+          <a:p>
+            <a:pPr lvl="1"/>
+            <a:r>
+              <a:rPr lang="en-US"/>
+              <a:t>11 / 30 = </a:t>
+            </a:r>
+            <a:r>
+              <a:rPr lang="en-US" b="1"/>
+              <a:t>Error rate of 37%</a:t>
+            </a:r>
+            <a:endParaRPr lang="en-US"/>
+          </a:p>
+          <a:p>
+            <a:pPr lvl="1"/>
+            <a:r>
+              <a:rPr lang="en-US"/>
+              <a:t>Not an error rate of 5%!</a:t>
+            </a:r>
+          </a:p>
+        </p:txBody>
+      </p:sp>
+    </p:spTree>
+    <p:extLst>
+      <p:ext uri="{BB962C8B-B14F-4D97-AF65-F5344CB8AC3E}">
+        <p14:creationId xmlns:p14="http://schemas.microsoft.com/office/powerpoint/2010/main" val="3200220080"/>
+      </p:ext>
+    </p:extLst>
+  </p:cSld>
+  <p:clrMapOvr>
+    <a:masterClrMapping/>
+  </p:clrMapOvr>
+</p:sld>
+</file>
+
+<file path=ppt/slides/slide21.xml><?xml version="1.0" encoding="utf-8"?>
+<p:sld xmlns:a="http://schemas.openxmlformats.org/drawingml/2006/main" xmlns:r="http://schemas.openxmlformats.org/officeDocument/2006/relationships" xmlns:p="http://schemas.openxmlformats.org/presentationml/2006/main">
+  <p:cSld>
+    <p:spTree>
+      <p:nvGrpSpPr>
+        <p:cNvPr id="1" name=""/>
+        <p:cNvGrpSpPr/>
+        <p:nvPr/>
+      </p:nvGrpSpPr>
+      <p:grpSpPr>
+        <a:xfrm>
+          <a:off x="0" y="0"/>
+          <a:ext cx="0" cy="0"/>
+          <a:chOff x="0" y="0"/>
+          <a:chExt cx="0" cy="0"/>
+        </a:xfrm>
+      </p:grpSpPr>
+      <p:sp>
+        <p:nvSpPr>
+          <p:cNvPr id="2" name="Title 1"/>
+          <p:cNvSpPr>
+            <a:spLocks noGrp="1"/>
+          </p:cNvSpPr>
+          <p:nvPr>
+            <p:ph type="title"/>
+          </p:nvPr>
+        </p:nvSpPr>
+        <p:spPr/>
+        <p:txBody>
+          <a:bodyPr/>
+          <a:lstStyle/>
+          <a:p>
+            <a:r>
+              <a:rPr lang="en-US"/>
+              <a:t>The problem with </a:t>
             </a:r>
             <a:r>
               <a:rPr lang="en-US" i="1"/>
@@ -10499,114 +10514,315 @@
             </a:r>
             <a:r>
               <a:rPr lang="en-US"/>
+              <a:t> values</a:t>
+            </a:r>
+          </a:p>
+        </p:txBody>
+      </p:sp>
+      <p:sp>
+        <p:nvSpPr>
+          <p:cNvPr id="3" name="Content Placeholder 2"/>
+          <p:cNvSpPr>
+            <a:spLocks noGrp="1"/>
+          </p:cNvSpPr>
+          <p:nvPr>
+            <p:ph idx="1"/>
+          </p:nvPr>
+        </p:nvSpPr>
+        <p:spPr/>
+        <p:txBody>
+          <a:bodyPr/>
+          <a:lstStyle/>
+          <a:p>
+            <a:r>
+              <a:rPr lang="en-US" dirty="0"/>
+              <a:t>Significance tests test the hypothesis that the population value precisely equals a null value (usually 0)</a:t>
+            </a:r>
+          </a:p>
+          <a:p>
+            <a:pPr lvl="1"/>
+            <a:r>
+              <a:rPr lang="en-US" dirty="0"/>
+              <a:t>This is virtually never true</a:t>
+            </a:r>
+          </a:p>
+          <a:p>
+            <a:r>
+              <a:rPr lang="en-US" dirty="0"/>
+              <a:t>Significance tests are highly dependent on sample size</a:t>
+            </a:r>
+          </a:p>
+          <a:p>
+            <a:pPr lvl="1"/>
+            <a:r>
+              <a:rPr lang="en-US" dirty="0"/>
+              <a:t>With small </a:t>
+            </a:r>
+            <a:r>
+              <a:rPr lang="en-US" i="1" dirty="0"/>
+              <a:t>N</a:t>
+            </a:r>
+            <a:r>
+              <a:rPr lang="en-US" dirty="0"/>
+              <a:t>, virtually nothing is significant</a:t>
+            </a:r>
+          </a:p>
+          <a:p>
+            <a:pPr lvl="1"/>
+            <a:r>
+              <a:rPr lang="en-US" dirty="0"/>
+              <a:t>With large </a:t>
+            </a:r>
+            <a:r>
+              <a:rPr lang="en-US" i="1" dirty="0"/>
+              <a:t>N</a:t>
+            </a:r>
+            <a:r>
+              <a:rPr lang="en-US" dirty="0"/>
+              <a:t>, most everything is significant</a:t>
+            </a:r>
+            <a:br>
+              <a:rPr lang="en-US" dirty="0"/>
+            </a:br>
+            <a:r>
+              <a:rPr lang="en-US" dirty="0"/>
+              <a:t>At </a:t>
+            </a:r>
+            <a:r>
+              <a:rPr lang="en-US" i="1" dirty="0"/>
+              <a:t>N</a:t>
+            </a:r>
+            <a:r>
+              <a:rPr lang="en-US" dirty="0"/>
+              <a:t> = 153,629, </a:t>
+            </a:r>
+            <a:r>
+              <a:rPr lang="en-US" i="1" dirty="0"/>
+              <a:t>r</a:t>
+            </a:r>
+            <a:r>
+              <a:rPr lang="en-US" dirty="0"/>
+              <a:t> = .01 is significant at </a:t>
+            </a:r>
+            <a:r>
+              <a:rPr lang="en-US" i="1" dirty="0"/>
+              <a:t>p</a:t>
+            </a:r>
+            <a:r>
+              <a:rPr lang="en-US" dirty="0"/>
+              <a:t> &lt; .05</a:t>
+            </a:r>
+            <a:br>
+              <a:rPr lang="en-US" dirty="0"/>
+            </a:br>
+            <a:r>
+              <a:rPr lang="en-US" dirty="0"/>
+              <a:t>(Notice how most SEM studies ignore the χ</a:t>
+            </a:r>
+            <a:r>
+              <a:rPr lang="en-US" baseline="30000" dirty="0"/>
+              <a:t>2</a:t>
+            </a:r>
+            <a:r>
+              <a:rPr lang="en-US" dirty="0"/>
+              <a:t> test)</a:t>
+            </a:r>
+          </a:p>
+        </p:txBody>
+      </p:sp>
+    </p:spTree>
+    <p:extLst>
+      <p:ext uri="{BB962C8B-B14F-4D97-AF65-F5344CB8AC3E}">
+        <p14:creationId xmlns:p14="http://schemas.microsoft.com/office/powerpoint/2010/main" val="186085884"/>
+      </p:ext>
+    </p:extLst>
+  </p:cSld>
+  <p:clrMapOvr>
+    <a:masterClrMapping/>
+  </p:clrMapOvr>
+</p:sld>
+</file>
+
+<file path=ppt/slides/slide22.xml><?xml version="1.0" encoding="utf-8"?>
+<p:sld xmlns:a="http://schemas.openxmlformats.org/drawingml/2006/main" xmlns:r="http://schemas.openxmlformats.org/officeDocument/2006/relationships" xmlns:p="http://schemas.openxmlformats.org/presentationml/2006/main">
+  <p:cSld>
+    <p:spTree>
+      <p:nvGrpSpPr>
+        <p:cNvPr id="1" name=""/>
+        <p:cNvGrpSpPr/>
+        <p:nvPr/>
+      </p:nvGrpSpPr>
+      <p:grpSpPr>
+        <a:xfrm>
+          <a:off x="0" y="0"/>
+          <a:ext cx="0" cy="0"/>
+          <a:chOff x="0" y="0"/>
+          <a:chExt cx="0" cy="0"/>
+        </a:xfrm>
+      </p:grpSpPr>
+      <p:sp>
+        <p:nvSpPr>
+          <p:cNvPr id="2" name="Title 1"/>
+          <p:cNvSpPr>
+            <a:spLocks noGrp="1"/>
+          </p:cNvSpPr>
+          <p:nvPr>
+            <p:ph type="title"/>
+          </p:nvPr>
+        </p:nvSpPr>
+        <p:spPr/>
+        <p:txBody>
+          <a:bodyPr/>
+          <a:lstStyle/>
+          <a:p>
+            <a:r>
+              <a:rPr lang="en-US"/>
+              <a:t>The problem with </a:t>
+            </a:r>
+            <a:r>
+              <a:rPr lang="en-US" i="1"/>
+              <a:t>p </a:t>
+            </a:r>
+            <a:r>
+              <a:rPr lang="en-US"/>
+              <a:t>values</a:t>
+            </a:r>
+          </a:p>
+        </p:txBody>
+      </p:sp>
+      <p:sp>
+        <p:nvSpPr>
+          <p:cNvPr id="3" name="Content Placeholder 2"/>
+          <p:cNvSpPr>
+            <a:spLocks noGrp="1"/>
+          </p:cNvSpPr>
+          <p:nvPr>
+            <p:ph idx="1"/>
+          </p:nvPr>
+        </p:nvSpPr>
+        <p:spPr/>
+        <p:txBody>
+          <a:bodyPr/>
+          <a:lstStyle/>
+          <a:p>
+            <a:r>
+              <a:rPr lang="en-US" dirty="0"/>
+              <a:t>Most importantly, </a:t>
+            </a:r>
+            <a:r>
+              <a:rPr lang="en-US" i="1" dirty="0"/>
+              <a:t>p</a:t>
+            </a:r>
+            <a:r>
+              <a:rPr lang="en-US" dirty="0"/>
               <a:t> values tell us </a:t>
             </a:r>
             <a:r>
-              <a:rPr lang="en-US" b="1"/>
+              <a:rPr lang="en-US" b="1" dirty="0"/>
               <a:t>nothing</a:t>
             </a:r>
             <a:r>
-              <a:rPr lang="en-US"/>
+              <a:rPr lang="en-US" dirty="0"/>
               <a:t> about</a:t>
             </a:r>
           </a:p>
           <a:p>
             <a:pPr lvl="1"/>
             <a:r>
-              <a:rPr lang="en-US"/>
+              <a:rPr lang="en-US" dirty="0"/>
               <a:t>The size of the effect</a:t>
             </a:r>
           </a:p>
           <a:p>
             <a:pPr lvl="1"/>
             <a:r>
-              <a:rPr lang="en-US"/>
+              <a:rPr lang="en-US" dirty="0"/>
               <a:t>The precision of our estimate of the effect</a:t>
             </a:r>
           </a:p>
           <a:p>
             <a:pPr lvl="1"/>
             <a:r>
-              <a:rPr lang="en-US" b="1"/>
+              <a:rPr lang="en-US" b="1" dirty="0"/>
               <a:t>Whether the result is likely to replicate in new samples</a:t>
             </a:r>
-            <a:endParaRPr lang="en-US"/>
-          </a:p>
-          <a:p>
-            <a:r>
-              <a:rPr lang="en-US"/>
+            <a:endParaRPr lang="en-US" dirty="0"/>
+          </a:p>
+          <a:p>
+            <a:r>
+              <a:rPr lang="en-US" dirty="0"/>
               <a:t>What tells us more information?</a:t>
             </a:r>
           </a:p>
           <a:p>
             <a:pPr lvl="1"/>
             <a:r>
-              <a:rPr lang="en-US" i="1"/>
+              <a:rPr lang="en-US" i="1" dirty="0"/>
               <a:t>N </a:t>
             </a:r>
             <a:r>
-              <a:rPr lang="en-US"/>
+              <a:rPr lang="en-US" dirty="0"/>
               <a:t>= 200, </a:t>
             </a:r>
             <a:r>
-              <a:rPr lang="en-US" i="1"/>
+              <a:rPr lang="en-US" i="1" dirty="0"/>
               <a:t>r </a:t>
             </a:r>
             <a:r>
-              <a:rPr lang="en-US"/>
+              <a:rPr lang="en-US" dirty="0"/>
               <a:t>= .21:	</a:t>
             </a:r>
             <a:r>
-              <a:rPr lang="en-US" b="1" i="1"/>
+              <a:rPr lang="en-US" b="1" i="1" dirty="0"/>
               <a:t>p</a:t>
             </a:r>
             <a:r>
-              <a:rPr lang="en-US" b="1"/>
+              <a:rPr lang="en-US" b="1" dirty="0"/>
               <a:t> = .003</a:t>
             </a:r>
             <a:r>
-              <a:rPr lang="en-US"/>
+              <a:rPr lang="en-US" dirty="0"/>
               <a:t> or</a:t>
             </a:r>
-            <a:endParaRPr lang="en-US" b="1"/>
+            <a:endParaRPr lang="en-US" b="1" dirty="0"/>
           </a:p>
           <a:p>
             <a:pPr marL="457200" lvl="1" indent="0">
               <a:buNone/>
             </a:pPr>
             <a:r>
-              <a:rPr lang="en-US" b="1"/>
+              <a:rPr lang="en-US" b="1" dirty="0"/>
               <a:t>				(95% CI .08, .34)</a:t>
             </a:r>
           </a:p>
           <a:p>
             <a:pPr lvl="1"/>
             <a:r>
-              <a:rPr lang="en-US" i="1"/>
+              <a:rPr lang="en-US" i="1" dirty="0"/>
               <a:t>N </a:t>
             </a:r>
             <a:r>
-              <a:rPr lang="en-US"/>
+              <a:rPr lang="en-US" dirty="0"/>
               <a:t>= 50, </a:t>
             </a:r>
             <a:r>
-              <a:rPr lang="en-US" i="1"/>
+              <a:rPr lang="en-US" i="1" dirty="0"/>
               <a:t>r </a:t>
             </a:r>
             <a:r>
-              <a:rPr lang="en-US"/>
+              <a:rPr lang="en-US" dirty="0"/>
               <a:t>= .20:	</a:t>
             </a:r>
             <a:r>
-              <a:rPr lang="en-US" b="1" i="1"/>
+              <a:rPr lang="en-US" b="1" i="1" dirty="0"/>
               <a:t>p</a:t>
             </a:r>
             <a:r>
-              <a:rPr lang="en-US" b="1"/>
+              <a:rPr lang="en-US" b="1" dirty="0"/>
               <a:t> = .162 </a:t>
             </a:r>
             <a:r>
-              <a:rPr lang="en-US"/>
+              <a:rPr lang="en-US" dirty="0"/>
               <a:t>or</a:t>
             </a:r>
           </a:p>
@@ -10615,13 +10831,13 @@
               <a:buNone/>
             </a:pPr>
             <a:r>
-              <a:rPr lang="en-US" b="1"/>
+              <a:rPr lang="en-US" b="1" dirty="0"/>
               <a:t>				(95% CI -.08, .45)</a:t>
             </a:r>
           </a:p>
           <a:p>
             <a:pPr lvl="1"/>
-            <a:endParaRPr lang="en-US" i="1"/>
+            <a:endParaRPr lang="en-US" i="1" dirty="0"/>
           </a:p>
         </p:txBody>
       </p:sp>
@@ -10638,7 +10854,7 @@
 </p:sld>
 </file>
 
-<file path=ppt/slides/slide21.xml><?xml version="1.0" encoding="utf-8"?>
+<file path=ppt/slides/slide23.xml><?xml version="1.0" encoding="utf-8"?>
 <p:sld xmlns:a="http://schemas.openxmlformats.org/drawingml/2006/main" xmlns:r="http://schemas.openxmlformats.org/officeDocument/2006/relationships" xmlns:p="http://schemas.openxmlformats.org/presentationml/2006/main">
   <p:cSld>
     <p:spTree>
@@ -11150,7 +11366,7 @@
 </p:sld>
 </file>
 
-<file path=ppt/slides/slide22.xml><?xml version="1.0" encoding="utf-8"?>
+<file path=ppt/slides/slide24.xml><?xml version="1.0" encoding="utf-8"?>
 <p:sld xmlns:a="http://schemas.openxmlformats.org/drawingml/2006/main" xmlns:r="http://schemas.openxmlformats.org/officeDocument/2006/relationships" xmlns:p="http://schemas.openxmlformats.org/presentationml/2006/main">
   <p:cSld>
     <p:spTree>
@@ -11568,7 +11784,7 @@
 </p:sld>
 </file>
 
-<file path=ppt/slides/slide23.xml><?xml version="1.0" encoding="utf-8"?>
+<file path=ppt/slides/slide25.xml><?xml version="1.0" encoding="utf-8"?>
 <p:sld xmlns:a="http://schemas.openxmlformats.org/drawingml/2006/main" xmlns:r="http://schemas.openxmlformats.org/officeDocument/2006/relationships" xmlns:p="http://schemas.openxmlformats.org/presentationml/2006/main">
   <p:cSld>
     <p:spTree>
@@ -11690,7 +11906,7 @@
 </p:sld>
 </file>
 
-<file path=ppt/slides/slide24.xml><?xml version="1.0" encoding="utf-8"?>
+<file path=ppt/slides/slide26.xml><?xml version="1.0" encoding="utf-8"?>
 <p:sld xmlns:a="http://schemas.openxmlformats.org/drawingml/2006/main" xmlns:r="http://schemas.openxmlformats.org/officeDocument/2006/relationships" xmlns:p="http://schemas.openxmlformats.org/presentationml/2006/main">
   <p:cSld>
     <p:spTree>
@@ -11757,7 +11973,7 @@
               </a:bodyPr>
               <a:lstStyle/>
               <a:p>
-                <a:endParaRPr lang="en-US" sz="5400" i="1">
+                <a:endParaRPr lang="en-US" sz="5400" i="1" dirty="0">
                   <a:latin typeface="Cambria Math" panose="02040503050406030204" pitchFamily="18" charset="0"/>
                 </a:endParaRPr>
               </a:p>
@@ -11790,7 +12006,7 @@
                     </m:r>
                   </m:oMath>
                 </a14:m>
-                <a:endParaRPr lang="en-US" sz="5400"/>
+                <a:endParaRPr lang="en-US" sz="5400" dirty="0"/>
               </a:p>
               <a:p>
                 <a14:m>
@@ -11888,7 +12104,7 @@
                     </m:f>
                   </m:oMath>
                 </a14:m>
-                <a:endParaRPr lang="en-US" sz="5400"/>
+                <a:endParaRPr lang="en-US" sz="5400" dirty="0"/>
               </a:p>
               <a:p>
                 <a14:m>
@@ -11983,7 +12199,7 @@
                     </m:f>
                   </m:oMath>
                 </a14:m>
-                <a:endParaRPr lang="en-US" sz="5400"/>
+                <a:endParaRPr lang="en-US" sz="5400" dirty="0"/>
               </a:p>
             </p:txBody>
           </p:sp>
@@ -12082,7 +12298,7 @@
 </p:sld>
 </file>
 
-<file path=ppt/slides/slide25.xml><?xml version="1.0" encoding="utf-8"?>
+<file path=ppt/slides/slide27.xml><?xml version="1.0" encoding="utf-8"?>
 <p:sld xmlns:a="http://schemas.openxmlformats.org/drawingml/2006/main" xmlns:r="http://schemas.openxmlformats.org/officeDocument/2006/relationships" xmlns:p="http://schemas.openxmlformats.org/presentationml/2006/main">
   <p:cSld>
     <p:spTree>
@@ -12429,7 +12645,7 @@
         </p:blipFill>
         <p:spPr bwMode="auto">
           <a:xfrm>
-            <a:off x="4479235" y="2724023"/>
+            <a:off x="4479235" y="2728992"/>
             <a:ext cx="7712765" cy="3671598"/>
           </a:xfrm>
           <a:prstGeom prst="rect">
@@ -12538,7 +12754,7 @@
 </p:sld>
 </file>
 
-<file path=ppt/slides/slide26.xml><?xml version="1.0" encoding="utf-8"?>
+<file path=ppt/slides/slide28.xml><?xml version="1.0" encoding="utf-8"?>
 <p:sld xmlns:a="http://schemas.openxmlformats.org/drawingml/2006/main" xmlns:r="http://schemas.openxmlformats.org/officeDocument/2006/relationships" xmlns:p="http://schemas.openxmlformats.org/presentationml/2006/main">
   <p:cSld>
     <p:spTree>
@@ -12609,7 +12825,7 @@
 </p:sld>
 </file>
 
-<file path=ppt/slides/slide27.xml><?xml version="1.0" encoding="utf-8"?>
+<file path=ppt/slides/slide29.xml><?xml version="1.0" encoding="utf-8"?>
 <p:sld xmlns:a="http://schemas.openxmlformats.org/drawingml/2006/main" xmlns:r="http://schemas.openxmlformats.org/officeDocument/2006/relationships" xmlns:p="http://schemas.openxmlformats.org/presentationml/2006/main">
   <p:cSld>
     <p:spTree>
@@ -12791,7 +13007,157 @@
 </p:sld>
 </file>
 
-<file path=ppt/slides/slide28.xml><?xml version="1.0" encoding="utf-8"?>
+<file path=ppt/slides/slide3.xml><?xml version="1.0" encoding="utf-8"?>
+<p:sld xmlns:a="http://schemas.openxmlformats.org/drawingml/2006/main" xmlns:r="http://schemas.openxmlformats.org/officeDocument/2006/relationships" xmlns:p="http://schemas.openxmlformats.org/presentationml/2006/main">
+  <p:cSld>
+    <p:spTree>
+      <p:nvGrpSpPr>
+        <p:cNvPr id="1" name=""/>
+        <p:cNvGrpSpPr/>
+        <p:nvPr/>
+      </p:nvGrpSpPr>
+      <p:grpSpPr>
+        <a:xfrm>
+          <a:off x="0" y="0"/>
+          <a:ext cx="0" cy="0"/>
+          <a:chOff x="0" y="0"/>
+          <a:chExt cx="0" cy="0"/>
+        </a:xfrm>
+      </p:grpSpPr>
+      <p:sp>
+        <p:nvSpPr>
+          <p:cNvPr id="2" name="Title 1">
+            <a:extLst>
+              <a:ext uri="{FF2B5EF4-FFF2-40B4-BE49-F238E27FC236}">
+                <a16:creationId xmlns:a16="http://schemas.microsoft.com/office/drawing/2014/main" id="{BA4DCD09-2376-403C-A772-1CC5035898B7}"/>
+              </a:ext>
+            </a:extLst>
+          </p:cNvPr>
+          <p:cNvSpPr>
+            <a:spLocks noGrp="1"/>
+          </p:cNvSpPr>
+          <p:nvPr>
+            <p:ph type="title"/>
+          </p:nvPr>
+        </p:nvSpPr>
+        <p:spPr/>
+        <p:txBody>
+          <a:bodyPr/>
+          <a:lstStyle/>
+          <a:p>
+            <a:r>
+              <a:rPr lang="en-US" dirty="0"/>
+              <a:t>Overview of Course</a:t>
+            </a:r>
+          </a:p>
+        </p:txBody>
+      </p:sp>
+      <p:sp>
+        <p:nvSpPr>
+          <p:cNvPr id="3" name="Content Placeholder 2">
+            <a:extLst>
+              <a:ext uri="{FF2B5EF4-FFF2-40B4-BE49-F238E27FC236}">
+                <a16:creationId xmlns:a16="http://schemas.microsoft.com/office/drawing/2014/main" id="{BADC071B-BEB4-414D-82A5-A2359898538A}"/>
+              </a:ext>
+            </a:extLst>
+          </p:cNvPr>
+          <p:cNvSpPr>
+            <a:spLocks noGrp="1"/>
+          </p:cNvSpPr>
+          <p:nvPr>
+            <p:ph idx="1"/>
+          </p:nvPr>
+        </p:nvSpPr>
+        <p:spPr/>
+        <p:txBody>
+          <a:bodyPr>
+            <a:normAutofit fontScale="92500" lnSpcReduction="20000"/>
+          </a:bodyPr>
+          <a:lstStyle/>
+          <a:p>
+            <a:r>
+              <a:rPr lang="en-US" dirty="0"/>
+              <a:t>Day 1:</a:t>
+            </a:r>
+          </a:p>
+          <a:p>
+            <a:pPr lvl="1"/>
+            <a:r>
+              <a:rPr lang="en-US" dirty="0"/>
+              <a:t>Meta-analytic thinking and basic meta-analytic models</a:t>
+            </a:r>
+          </a:p>
+          <a:p>
+            <a:pPr lvl="1"/>
+            <a:endParaRPr lang="en-US" dirty="0"/>
+          </a:p>
+          <a:p>
+            <a:r>
+              <a:rPr lang="en-US" dirty="0"/>
+              <a:t>Day 2:</a:t>
+            </a:r>
+          </a:p>
+          <a:p>
+            <a:pPr lvl="1"/>
+            <a:r>
+              <a:rPr lang="en-US" dirty="0"/>
+              <a:t>Moderator analyses, heterogeneity, artefact corrections</a:t>
+            </a:r>
+          </a:p>
+          <a:p>
+            <a:pPr lvl="1"/>
+            <a:endParaRPr lang="en-US" dirty="0"/>
+          </a:p>
+          <a:p>
+            <a:r>
+              <a:rPr lang="en-US" dirty="0"/>
+              <a:t>Day 3:</a:t>
+            </a:r>
+          </a:p>
+          <a:p>
+            <a:pPr lvl="1"/>
+            <a:r>
+              <a:rPr lang="en-US" dirty="0"/>
+              <a:t>Diagnostics, publication bias</a:t>
+            </a:r>
+          </a:p>
+          <a:p>
+            <a:pPr lvl="1"/>
+            <a:endParaRPr lang="en-US" dirty="0"/>
+          </a:p>
+          <a:p>
+            <a:r>
+              <a:rPr lang="en-US" dirty="0"/>
+              <a:t>Day 4:</a:t>
+            </a:r>
+          </a:p>
+          <a:p>
+            <a:pPr lvl="1"/>
+            <a:r>
+              <a:rPr lang="en-US" dirty="0"/>
+              <a:t>Systematic reviews, advanced topics, other R topics</a:t>
+            </a:r>
+          </a:p>
+          <a:p>
+            <a:pPr lvl="1"/>
+            <a:endParaRPr lang="en-US" dirty="0"/>
+          </a:p>
+        </p:txBody>
+      </p:sp>
+    </p:spTree>
+    <p:extLst>
+      <p:ext uri="{BB962C8B-B14F-4D97-AF65-F5344CB8AC3E}">
+        <p14:creationId xmlns:p14="http://schemas.microsoft.com/office/powerpoint/2010/main" val="2070513715"/>
+      </p:ext>
+    </p:extLst>
+  </p:cSld>
+  <p:clrMapOvr>
+    <a:masterClrMapping/>
+  </p:clrMapOvr>
+</p:sld>
+</file>
+
+<file path=ppt/slides/slide30.xml><?xml version="1.0" encoding="utf-8"?>
 <p:sld xmlns:a="http://schemas.openxmlformats.org/drawingml/2006/main" xmlns:r="http://schemas.openxmlformats.org/officeDocument/2006/relationships" xmlns:p="http://schemas.openxmlformats.org/presentationml/2006/main">
   <p:cSld>
     <p:spTree>
@@ -12920,7 +13286,7 @@
 </p:sld>
 </file>
 
-<file path=ppt/slides/slide29.xml><?xml version="1.0" encoding="utf-8"?>
+<file path=ppt/slides/slide31.xml><?xml version="1.0" encoding="utf-8"?>
 <p:sld xmlns:a="http://schemas.openxmlformats.org/drawingml/2006/main" xmlns:r="http://schemas.openxmlformats.org/officeDocument/2006/relationships" xmlns:p="http://schemas.openxmlformats.org/presentationml/2006/main">
   <p:cSld>
     <p:spTree>
@@ -13316,114 +13682,7 @@
 </p:sld>
 </file>
 
-<file path=ppt/slides/slide3.xml><?xml version="1.0" encoding="utf-8"?>
-<p:sld xmlns:a="http://schemas.openxmlformats.org/drawingml/2006/main" xmlns:r="http://schemas.openxmlformats.org/officeDocument/2006/relationships" xmlns:p="http://schemas.openxmlformats.org/presentationml/2006/main">
-  <p:cSld>
-    <p:spTree>
-      <p:nvGrpSpPr>
-        <p:cNvPr id="1" name=""/>
-        <p:cNvGrpSpPr/>
-        <p:nvPr/>
-      </p:nvGrpSpPr>
-      <p:grpSpPr>
-        <a:xfrm>
-          <a:off x="0" y="0"/>
-          <a:ext cx="0" cy="0"/>
-          <a:chOff x="0" y="0"/>
-          <a:chExt cx="0" cy="0"/>
-        </a:xfrm>
-      </p:grpSpPr>
-      <p:sp>
-        <p:nvSpPr>
-          <p:cNvPr id="2" name="Title 1"/>
-          <p:cNvSpPr>
-            <a:spLocks noGrp="1"/>
-          </p:cNvSpPr>
-          <p:nvPr>
-            <p:ph type="title"/>
-          </p:nvPr>
-        </p:nvSpPr>
-        <p:spPr/>
-        <p:txBody>
-          <a:bodyPr/>
-          <a:lstStyle/>
-          <a:p>
-            <a:r>
-              <a:rPr lang="en-US"/>
-              <a:t>What is meta-analysis?</a:t>
-            </a:r>
-          </a:p>
-        </p:txBody>
-      </p:sp>
-      <p:sp>
-        <p:nvSpPr>
-          <p:cNvPr id="3" name="Content Placeholder 2"/>
-          <p:cNvSpPr>
-            <a:spLocks noGrp="1"/>
-          </p:cNvSpPr>
-          <p:nvPr>
-            <p:ph idx="1"/>
-          </p:nvPr>
-        </p:nvSpPr>
-        <p:spPr/>
-        <p:txBody>
-          <a:bodyPr>
-            <a:normAutofit/>
-          </a:bodyPr>
-          <a:lstStyle/>
-          <a:p>
-            <a:r>
-              <a:rPr lang="en-US" b="1" dirty="0"/>
-              <a:t>Quantitative combination of statistical information</a:t>
-            </a:r>
-            <a:r>
-              <a:rPr lang="en-US" dirty="0"/>
-              <a:t> from </a:t>
-            </a:r>
-            <a:r>
-              <a:rPr lang="en-US" i="1" dirty="0"/>
-              <a:t>multiple empirical studies</a:t>
-            </a:r>
-            <a:r>
-              <a:rPr lang="en-US" dirty="0"/>
-              <a:t> to produce an overall estimate of a particular relationship</a:t>
-            </a:r>
-          </a:p>
-          <a:p>
-            <a:endParaRPr lang="en-US" b="1" dirty="0"/>
-          </a:p>
-          <a:p>
-            <a:r>
-              <a:rPr lang="en-US" b="1" dirty="0"/>
-              <a:t>Approach:</a:t>
-            </a:r>
-            <a:r>
-              <a:rPr lang="en-US" dirty="0"/>
-              <a:t> Quantify the size, direction, and precision of the effect or association in each study and use this as primary data in further analyses </a:t>
-            </a:r>
-          </a:p>
-          <a:p>
-            <a:pPr marL="457262" lvl="1" indent="0">
-              <a:buNone/>
-            </a:pPr>
-            <a:endParaRPr lang="en-US" dirty="0"/>
-          </a:p>
-        </p:txBody>
-      </p:sp>
-    </p:spTree>
-    <p:extLst>
-      <p:ext uri="{BB962C8B-B14F-4D97-AF65-F5344CB8AC3E}">
-        <p14:creationId xmlns:p14="http://schemas.microsoft.com/office/powerpoint/2010/main" val="1870032128"/>
-      </p:ext>
-    </p:extLst>
-  </p:cSld>
-  <p:clrMapOvr>
-    <a:masterClrMapping/>
-  </p:clrMapOvr>
-</p:sld>
-</file>
-
-<file path=ppt/slides/slide30.xml><?xml version="1.0" encoding="utf-8"?>
+<file path=ppt/slides/slide32.xml><?xml version="1.0" encoding="utf-8"?>
 <p:sld xmlns:a="http://schemas.openxmlformats.org/drawingml/2006/main" xmlns:r="http://schemas.openxmlformats.org/officeDocument/2006/relationships" xmlns:p="http://schemas.openxmlformats.org/presentationml/2006/main">
   <p:cSld>
     <p:spTree>
@@ -13568,7 +13827,7 @@
 </p:sld>
 </file>
 
-<file path=ppt/slides/slide31.xml><?xml version="1.0" encoding="utf-8"?>
+<file path=ppt/slides/slide33.xml><?xml version="1.0" encoding="utf-8"?>
 <p:sld xmlns:a="http://schemas.openxmlformats.org/drawingml/2006/main" xmlns:r="http://schemas.openxmlformats.org/officeDocument/2006/relationships" xmlns:p="http://schemas.openxmlformats.org/presentationml/2006/main">
   <p:cSld>
     <p:spTree>
@@ -13854,7 +14113,7 @@
 </p:sld>
 </file>
 
-<file path=ppt/slides/slide32.xml><?xml version="1.0" encoding="utf-8"?>
+<file path=ppt/slides/slide34.xml><?xml version="1.0" encoding="utf-8"?>
 <p:sld xmlns:a="http://schemas.openxmlformats.org/drawingml/2006/main" xmlns:r="http://schemas.openxmlformats.org/officeDocument/2006/relationships" xmlns:p="http://schemas.openxmlformats.org/presentationml/2006/main">
   <p:cSld>
     <p:spTree>
@@ -14972,8 +15231,8 @@
           </p:sp>
         </mc:Fallback>
       </mc:AlternateContent>
-      <mc:AlternateContent xmlns:mc="http://schemas.openxmlformats.org/markup-compatibility/2006" xmlns:a14="http://schemas.microsoft.com/office/drawing/2010/main">
-        <mc:Choice Requires="a14">
+      <mc:AlternateContent xmlns:mc="http://schemas.openxmlformats.org/markup-compatibility/2006">
+        <mc:Choice xmlns:a14="http://schemas.microsoft.com/office/drawing/2010/main" Requires="a14">
           <p:sp>
             <p:nvSpPr>
               <p:cNvPr id="6" name="Rectangle 5">
@@ -14989,7 +15248,7 @@
             <p:spPr>
               <a:xfrm>
                 <a:off x="8773036" y="4857087"/>
-                <a:ext cx="3277500" cy="1366336"/>
+                <a:ext cx="3357329" cy="1366336"/>
               </a:xfrm>
               <a:prstGeom prst="rect">
                 <a:avLst/>
@@ -15133,10 +15392,10 @@
                             </m:sSupPr>
                             <m:e>
                               <m:r>
-                                <a:rPr lang="en-US" sz="2600" i="1">
+                                <a:rPr lang="en-US" sz="2600" b="0" i="1" smtClean="0">
                                   <a:latin typeface="Cambria Math" panose="02040503050406030204" pitchFamily="18" charset="0"/>
                                 </a:rPr>
-                                <m:t>𝑑</m:t>
+                                <m:t>𝑦</m:t>
                               </m:r>
                             </m:e>
                             <m:sup>
@@ -15228,7 +15487,7 @@
             </p:txBody>
           </p:sp>
         </mc:Choice>
-        <mc:Fallback xmlns="">
+        <mc:Fallback>
           <p:sp>
             <p:nvSpPr>
               <p:cNvPr id="6" name="Rectangle 5">
@@ -15246,7 +15505,7 @@
             <p:spPr>
               <a:xfrm>
                 <a:off x="8773036" y="4857087"/>
-                <a:ext cx="3277500" cy="1366336"/>
+                <a:ext cx="3357329" cy="1366336"/>
               </a:xfrm>
               <a:prstGeom prst="rect">
                 <a:avLst/>
@@ -15254,7 +15513,7 @@
               <a:blipFill>
                 <a:blip r:embed="rId3"/>
                 <a:stretch>
-                  <a:fillRect l="-3089" t="-3670" r="-386" b="-5505"/>
+                  <a:fillRect l="-3267" t="-3571"/>
                 </a:stretch>
               </a:blipFill>
             </p:spPr>
@@ -15286,7 +15545,7 @@
 </p:sld>
 </file>
 
-<file path=ppt/slides/slide33.xml><?xml version="1.0" encoding="utf-8"?>
+<file path=ppt/slides/slide35.xml><?xml version="1.0" encoding="utf-8"?>
 <p:sld xmlns:a="http://schemas.openxmlformats.org/drawingml/2006/main" xmlns:r="http://schemas.openxmlformats.org/officeDocument/2006/relationships" xmlns:p="http://schemas.openxmlformats.org/presentationml/2006/main">
   <p:cSld>
     <p:spTree>
@@ -15346,7 +15605,7 @@
 </p:sld>
 </file>
 
-<file path=ppt/slides/slide34.xml><?xml version="1.0" encoding="utf-8"?>
+<file path=ppt/slides/slide36.xml><?xml version="1.0" encoding="utf-8"?>
 <p:sld xmlns:a="http://schemas.openxmlformats.org/drawingml/2006/main" xmlns:r="http://schemas.openxmlformats.org/officeDocument/2006/relationships" xmlns:p="http://schemas.openxmlformats.org/presentationml/2006/main">
   <p:cSld>
     <p:spTree>
@@ -15412,7 +15671,7 @@
 </p:sld>
 </file>
 
-<file path=ppt/slides/slide35.xml><?xml version="1.0" encoding="utf-8"?>
+<file path=ppt/slides/slide37.xml><?xml version="1.0" encoding="utf-8"?>
 <p:sld xmlns:a="http://schemas.openxmlformats.org/drawingml/2006/main" xmlns:r="http://schemas.openxmlformats.org/officeDocument/2006/relationships" xmlns:p="http://schemas.openxmlformats.org/presentationml/2006/main">
   <p:cSld>
     <p:spTree>
@@ -15571,7 +15830,7 @@
 </p:sld>
 </file>
 
-<file path=ppt/slides/slide36.xml><?xml version="1.0" encoding="utf-8"?>
+<file path=ppt/slides/slide38.xml><?xml version="1.0" encoding="utf-8"?>
 <p:sld xmlns:a="http://schemas.openxmlformats.org/drawingml/2006/main" xmlns:r="http://schemas.openxmlformats.org/officeDocument/2006/relationships" xmlns:p="http://schemas.openxmlformats.org/presentationml/2006/main">
   <p:cSld>
     <p:spTree>
@@ -15754,7 +16013,7 @@
 </p:sld>
 </file>
 
-<file path=ppt/slides/slide37.xml><?xml version="1.0" encoding="utf-8"?>
+<file path=ppt/slides/slide39.xml><?xml version="1.0" encoding="utf-8"?>
 <p:sld xmlns:a="http://schemas.openxmlformats.org/drawingml/2006/main" xmlns:r="http://schemas.openxmlformats.org/officeDocument/2006/relationships" xmlns:p="http://schemas.openxmlformats.org/presentationml/2006/main">
   <p:cSld>
     <p:spTree>
@@ -15984,7 +16243,144 @@
 </p:sld>
 </file>
 
-<file path=ppt/slides/slide38.xml><?xml version="1.0" encoding="utf-8"?>
+<file path=ppt/slides/slide4.xml><?xml version="1.0" encoding="utf-8"?>
+<p:sld xmlns:a="http://schemas.openxmlformats.org/drawingml/2006/main" xmlns:r="http://schemas.openxmlformats.org/officeDocument/2006/relationships" xmlns:p="http://schemas.openxmlformats.org/presentationml/2006/main">
+  <p:cSld>
+    <p:spTree>
+      <p:nvGrpSpPr>
+        <p:cNvPr id="1" name=""/>
+        <p:cNvGrpSpPr/>
+        <p:nvPr/>
+      </p:nvGrpSpPr>
+      <p:grpSpPr>
+        <a:xfrm>
+          <a:off x="0" y="0"/>
+          <a:ext cx="0" cy="0"/>
+          <a:chOff x="0" y="0"/>
+          <a:chExt cx="0" cy="0"/>
+        </a:xfrm>
+      </p:grpSpPr>
+      <p:sp>
+        <p:nvSpPr>
+          <p:cNvPr id="2" name="Title 1">
+            <a:extLst>
+              <a:ext uri="{FF2B5EF4-FFF2-40B4-BE49-F238E27FC236}">
+                <a16:creationId xmlns:a16="http://schemas.microsoft.com/office/drawing/2014/main" id="{F0A31540-E79A-674C-81DA-3380D2AC370D}"/>
+              </a:ext>
+            </a:extLst>
+          </p:cNvPr>
+          <p:cNvSpPr>
+            <a:spLocks noGrp="1"/>
+          </p:cNvSpPr>
+          <p:nvPr>
+            <p:ph type="title"/>
+          </p:nvPr>
+        </p:nvSpPr>
+        <p:spPr/>
+        <p:txBody>
+          <a:bodyPr>
+            <a:normAutofit fontScale="90000"/>
+          </a:bodyPr>
+          <a:lstStyle/>
+          <a:p>
+            <a:r>
+              <a:rPr lang="en-US" dirty="0"/>
+              <a:t>Evidence synthesis &amp; systematic reviews</a:t>
+            </a:r>
+          </a:p>
+        </p:txBody>
+      </p:sp>
+      <p:sp>
+        <p:nvSpPr>
+          <p:cNvPr id="3" name="Content Placeholder 2">
+            <a:extLst>
+              <a:ext uri="{FF2B5EF4-FFF2-40B4-BE49-F238E27FC236}">
+                <a16:creationId xmlns:a16="http://schemas.microsoft.com/office/drawing/2014/main" id="{B32ECC06-FCC6-F44E-8512-30B6428955DC}"/>
+              </a:ext>
+            </a:extLst>
+          </p:cNvPr>
+          <p:cNvSpPr>
+            <a:spLocks noGrp="1"/>
+          </p:cNvSpPr>
+          <p:nvPr>
+            <p:ph idx="1"/>
+          </p:nvPr>
+        </p:nvSpPr>
+        <p:spPr/>
+        <p:txBody>
+          <a:bodyPr>
+            <a:normAutofit fontScale="92500" lnSpcReduction="10000"/>
+          </a:bodyPr>
+          <a:lstStyle/>
+          <a:p>
+            <a:r>
+              <a:rPr lang="en-US" dirty="0"/>
+              <a:t>Systematic review: Research synthesis as a scientific process </a:t>
+            </a:r>
+          </a:p>
+          <a:p>
+            <a:r>
+              <a:rPr lang="en-US" dirty="0"/>
+              <a:t>Emphasis on transparent, replicable, and systematic methods to </a:t>
+            </a:r>
+            <a:br>
+              <a:rPr lang="en-US" dirty="0"/>
+            </a:br>
+            <a:r>
+              <a:rPr lang="en-US" dirty="0"/>
+              <a:t>“limit bias in the assembly, critical appraisal, and synthesis of all relevant studies on a specific topic” (Last, 2001) </a:t>
+            </a:r>
+          </a:p>
+          <a:p>
+            <a:endParaRPr lang="en-US" dirty="0"/>
+          </a:p>
+          <a:p>
+            <a:r>
+              <a:rPr lang="en-US" dirty="0"/>
+              <a:t>Transparency and clarity is key</a:t>
+            </a:r>
+          </a:p>
+          <a:p>
+            <a:r>
+              <a:rPr lang="en-US" dirty="0"/>
+              <a:t>Synthesis can use qualitative and/or quantitative methods </a:t>
+            </a:r>
+          </a:p>
+          <a:p>
+            <a:r>
+              <a:rPr lang="en-US" dirty="0"/>
+              <a:t>For some history, see Chalmers et al. (2002, </a:t>
+            </a:r>
+            <a:r>
+              <a:rPr lang="en-US" u="sng" dirty="0">
+                <a:hlinkClick r:id="rId2"/>
+              </a:rPr>
+              <a:t>https://doi.org/bvwspb</a:t>
+            </a:r>
+            <a:r>
+              <a:rPr lang="en-US" dirty="0"/>
+              <a:t>) </a:t>
+            </a:r>
+          </a:p>
+          <a:p>
+            <a:endParaRPr lang="en-US" dirty="0"/>
+          </a:p>
+        </p:txBody>
+      </p:sp>
+    </p:spTree>
+    <p:extLst>
+      <p:ext uri="{BB962C8B-B14F-4D97-AF65-F5344CB8AC3E}">
+        <p14:creationId xmlns:p14="http://schemas.microsoft.com/office/powerpoint/2010/main" val="437962352"/>
+      </p:ext>
+    </p:extLst>
+  </p:cSld>
+  <p:clrMapOvr>
+    <a:masterClrMapping/>
+  </p:clrMapOvr>
+</p:sld>
+</file>
+
+<file path=ppt/slides/slide40.xml><?xml version="1.0" encoding="utf-8"?>
 <p:sld xmlns:a="http://schemas.openxmlformats.org/drawingml/2006/main" xmlns:r="http://schemas.openxmlformats.org/officeDocument/2006/relationships" xmlns:p="http://schemas.openxmlformats.org/presentationml/2006/main">
   <p:cSld>
     <p:spTree>
@@ -16050,7 +16446,7 @@
 </p:sld>
 </file>
 
-<file path=ppt/slides/slide39.xml><?xml version="1.0" encoding="utf-8"?>
+<file path=ppt/slides/slide41.xml><?xml version="1.0" encoding="utf-8"?>
 <p:sld xmlns:a="http://schemas.openxmlformats.org/drawingml/2006/main" xmlns:r="http://schemas.openxmlformats.org/officeDocument/2006/relationships" xmlns:p="http://schemas.openxmlformats.org/presentationml/2006/main">
   <p:cSld>
     <p:spTree>
@@ -16095,8 +16491,8 @@
           </a:p>
         </p:txBody>
       </p:sp>
-      <mc:AlternateContent xmlns:mc="http://schemas.openxmlformats.org/markup-compatibility/2006" xmlns:a14="http://schemas.microsoft.com/office/drawing/2010/main">
-        <mc:Choice Requires="a14">
+      <mc:AlternateContent xmlns:mc="http://schemas.openxmlformats.org/markup-compatibility/2006">
+        <mc:Choice xmlns:a14="http://schemas.microsoft.com/office/drawing/2010/main" Requires="a14">
           <p:sp>
             <p:nvSpPr>
               <p:cNvPr id="3" name="Content Placeholder 2">
@@ -16115,7 +16511,7 @@
             </p:nvSpPr>
             <p:spPr>
               <a:xfrm>
-                <a:off x="838200" y="1317744"/>
+                <a:off x="838200" y="1317743"/>
                 <a:ext cx="10515600" cy="4804759"/>
               </a:xfrm>
             </p:spPr>
@@ -16859,7 +17255,7 @@
             </p:txBody>
           </p:sp>
         </mc:Choice>
-        <mc:Fallback xmlns="">
+        <mc:Fallback>
           <p:sp>
             <p:nvSpPr>
               <p:cNvPr id="3" name="Content Placeholder 2">
@@ -16878,13 +17274,13 @@
             </p:nvSpPr>
             <p:spPr>
               <a:xfrm>
-                <a:off x="838200" y="1317744"/>
+                <a:off x="838200" y="1317743"/>
                 <a:ext cx="10515600" cy="4804759"/>
               </a:xfrm>
               <a:blipFill>
                 <a:blip r:embed="rId2"/>
                 <a:stretch>
-                  <a:fillRect l="-1086"/>
+                  <a:fillRect l="-1043"/>
                 </a:stretch>
               </a:blipFill>
             </p:spPr>
@@ -16955,126 +17351,7 @@
 </p:sld>
 </file>
 
-<file path=ppt/slides/slide4.xml><?xml version="1.0" encoding="utf-8"?>
-<p:sld xmlns:a="http://schemas.openxmlformats.org/drawingml/2006/main" xmlns:r="http://schemas.openxmlformats.org/officeDocument/2006/relationships" xmlns:p="http://schemas.openxmlformats.org/presentationml/2006/main">
-  <p:cSld>
-    <p:spTree>
-      <p:nvGrpSpPr>
-        <p:cNvPr id="1" name=""/>
-        <p:cNvGrpSpPr/>
-        <p:nvPr/>
-      </p:nvGrpSpPr>
-      <p:grpSpPr>
-        <a:xfrm>
-          <a:off x="0" y="0"/>
-          <a:ext cx="0" cy="0"/>
-          <a:chOff x="0" y="0"/>
-          <a:chExt cx="0" cy="0"/>
-        </a:xfrm>
-      </p:grpSpPr>
-      <p:sp>
-        <p:nvSpPr>
-          <p:cNvPr id="2" name="Title 1">
-            <a:extLst>
-              <a:ext uri="{FF2B5EF4-FFF2-40B4-BE49-F238E27FC236}">
-                <a16:creationId xmlns:a16="http://schemas.microsoft.com/office/drawing/2014/main" id="{850F3FA2-D9F4-E640-BAFD-D5489AADF7C8}"/>
-              </a:ext>
-            </a:extLst>
-          </p:cNvPr>
-          <p:cNvSpPr>
-            <a:spLocks noGrp="1"/>
-          </p:cNvSpPr>
-          <p:nvPr>
-            <p:ph type="title"/>
-          </p:nvPr>
-        </p:nvSpPr>
-        <p:spPr/>
-        <p:txBody>
-          <a:bodyPr/>
-          <a:lstStyle/>
-          <a:p>
-            <a:r>
-              <a:rPr lang="en-US" dirty="0"/>
-              <a:t>Questions Meta-Analysis Can Address</a:t>
-            </a:r>
-          </a:p>
-        </p:txBody>
-      </p:sp>
-      <p:sp>
-        <p:nvSpPr>
-          <p:cNvPr id="3" name="Content Placeholder 2">
-            <a:extLst>
-              <a:ext uri="{FF2B5EF4-FFF2-40B4-BE49-F238E27FC236}">
-                <a16:creationId xmlns:a16="http://schemas.microsoft.com/office/drawing/2014/main" id="{B3908691-B867-E245-A64B-A82A5F48D14E}"/>
-              </a:ext>
-            </a:extLst>
-          </p:cNvPr>
-          <p:cNvSpPr>
-            <a:spLocks noGrp="1"/>
-          </p:cNvSpPr>
-          <p:nvPr>
-            <p:ph idx="1"/>
-          </p:nvPr>
-        </p:nvSpPr>
-        <p:spPr/>
-        <p:txBody>
-          <a:bodyPr>
-            <a:normAutofit/>
-          </a:bodyPr>
-          <a:lstStyle/>
-          <a:p>
-            <a:r>
-              <a:rPr lang="en-US" dirty="0"/>
-              <a:t>Meta-analysis examines whether an effect varies and, </a:t>
-            </a:r>
-            <a:br>
-              <a:rPr lang="en-US" dirty="0"/>
-            </a:br>
-            <a:r>
-              <a:rPr lang="en-US" dirty="0"/>
-              <a:t>if so, how and why</a:t>
-            </a:r>
-          </a:p>
-          <a:p>
-            <a:endParaRPr lang="en-US" dirty="0"/>
-          </a:p>
-          <a:p>
-            <a:r>
-              <a:rPr lang="en-US" dirty="0"/>
-              <a:t>What is the overall (average) size and direction of the effect or association? </a:t>
-            </a:r>
-          </a:p>
-          <a:p>
-            <a:r>
-              <a:rPr lang="en-US" dirty="0"/>
-              <a:t>How much do effects or associations vary across studies?</a:t>
-            </a:r>
-          </a:p>
-          <a:p>
-            <a:r>
-              <a:rPr lang="en-US" dirty="0"/>
-              <a:t>Does the effect or association depend on characteristics of the studies? </a:t>
-            </a:r>
-          </a:p>
-          <a:p>
-            <a:endParaRPr lang="en-US" dirty="0"/>
-          </a:p>
-        </p:txBody>
-      </p:sp>
-    </p:spTree>
-    <p:extLst>
-      <p:ext uri="{BB962C8B-B14F-4D97-AF65-F5344CB8AC3E}">
-        <p14:creationId xmlns:p14="http://schemas.microsoft.com/office/powerpoint/2010/main" val="3387747372"/>
-      </p:ext>
-    </p:extLst>
-  </p:cSld>
-  <p:clrMapOvr>
-    <a:masterClrMapping/>
-  </p:clrMapOvr>
-</p:sld>
-</file>
-
-<file path=ppt/slides/slide40.xml><?xml version="1.0" encoding="utf-8"?>
+<file path=ppt/slides/slide42.xml><?xml version="1.0" encoding="utf-8"?>
 <p:sld xmlns:a="http://schemas.openxmlformats.org/drawingml/2006/main" xmlns:r="http://schemas.openxmlformats.org/officeDocument/2006/relationships" xmlns:p="http://schemas.openxmlformats.org/presentationml/2006/main">
   <p:cSld>
     <p:spTree>
@@ -17119,8 +17396,8 @@
           </a:p>
         </p:txBody>
       </p:sp>
-      <mc:AlternateContent xmlns:mc="http://schemas.openxmlformats.org/markup-compatibility/2006" xmlns:a14="http://schemas.microsoft.com/office/drawing/2010/main">
-        <mc:Choice Requires="a14">
+      <mc:AlternateContent xmlns:mc="http://schemas.openxmlformats.org/markup-compatibility/2006">
+        <mc:Choice xmlns:a14="http://schemas.microsoft.com/office/drawing/2010/main" Requires="a14">
           <p:sp>
             <p:nvSpPr>
               <p:cNvPr id="3" name="Content Placeholder 2">
@@ -17145,7 +17422,7 @@
             </p:spPr>
             <p:txBody>
               <a:bodyPr>
-                <a:normAutofit/>
+                <a:normAutofit lnSpcReduction="10000"/>
               </a:bodyPr>
               <a:lstStyle/>
               <a:p>
@@ -17902,7 +18179,7 @@
             </p:txBody>
           </p:sp>
         </mc:Choice>
-        <mc:Fallback xmlns="">
+        <mc:Fallback>
           <p:sp>
             <p:nvSpPr>
               <p:cNvPr id="3" name="Content Placeholder 2">
@@ -17927,7 +18204,7 @@
               <a:blipFill>
                 <a:blip r:embed="rId2"/>
                 <a:stretch>
-                  <a:fillRect l="-1086" t="-17414" b="-1319"/>
+                  <a:fillRect l="-1043"/>
                 </a:stretch>
               </a:blipFill>
             </p:spPr>
@@ -17998,7 +18275,7 @@
 </p:sld>
 </file>
 
-<file path=ppt/slides/slide41.xml><?xml version="1.0" encoding="utf-8"?>
+<file path=ppt/slides/slide43.xml><?xml version="1.0" encoding="utf-8"?>
 <p:sld xmlns:a="http://schemas.openxmlformats.org/drawingml/2006/main" xmlns:r="http://schemas.openxmlformats.org/officeDocument/2006/relationships" xmlns:p="http://schemas.openxmlformats.org/presentationml/2006/main">
   <p:cSld>
     <p:spTree>
@@ -18149,7 +18426,7 @@
 </p:sld>
 </file>
 
-<file path=ppt/slides/slide42.xml><?xml version="1.0" encoding="utf-8"?>
+<file path=ppt/slides/slide44.xml><?xml version="1.0" encoding="utf-8"?>
 <p:sld xmlns:a="http://schemas.openxmlformats.org/drawingml/2006/main" xmlns:r="http://schemas.openxmlformats.org/officeDocument/2006/relationships" xmlns:p="http://schemas.openxmlformats.org/presentationml/2006/main">
   <p:cSld>
     <p:spTree>
@@ -18209,7 +18486,7 @@
 </p:sld>
 </file>
 
-<file path=ppt/slides/slide43.xml><?xml version="1.0" encoding="utf-8"?>
+<file path=ppt/slides/slide45.xml><?xml version="1.0" encoding="utf-8"?>
 <p:sld xmlns:a="http://schemas.openxmlformats.org/drawingml/2006/main" xmlns:r="http://schemas.openxmlformats.org/officeDocument/2006/relationships" xmlns:p="http://schemas.openxmlformats.org/presentationml/2006/main">
   <p:cSld>
     <p:spTree>
@@ -18327,7 +18604,7 @@
 </p:sld>
 </file>
 
-<file path=ppt/slides/slide44.xml><?xml version="1.0" encoding="utf-8"?>
+<file path=ppt/slides/slide46.xml><?xml version="1.0" encoding="utf-8"?>
 <p:sld xmlns:a="http://schemas.openxmlformats.org/drawingml/2006/main" xmlns:r="http://schemas.openxmlformats.org/officeDocument/2006/relationships" xmlns:p="http://schemas.openxmlformats.org/presentationml/2006/main">
   <p:cSld>
     <p:spTree>
@@ -18456,7 +18733,7 @@
 </p:sld>
 </file>
 
-<file path=ppt/slides/slide45.xml><?xml version="1.0" encoding="utf-8"?>
+<file path=ppt/slides/slide47.xml><?xml version="1.0" encoding="utf-8"?>
 <p:sld xmlns:a="http://schemas.openxmlformats.org/drawingml/2006/main" xmlns:r="http://schemas.openxmlformats.org/officeDocument/2006/relationships" xmlns:p="http://schemas.openxmlformats.org/presentationml/2006/main">
   <p:cSld>
     <p:spTree>
@@ -18638,7 +18915,7 @@
 </p:sld>
 </file>
 
-<file path=ppt/slides/slide46.xml><?xml version="1.0" encoding="utf-8"?>
+<file path=ppt/slides/slide48.xml><?xml version="1.0" encoding="utf-8"?>
 <p:sld xmlns:a="http://schemas.openxmlformats.org/drawingml/2006/main" xmlns:r="http://schemas.openxmlformats.org/officeDocument/2006/relationships" xmlns:p="http://schemas.openxmlformats.org/presentationml/2006/main">
   <p:cSld>
     <p:spTree>
@@ -18704,7 +18981,7 @@
 </p:sld>
 </file>
 
-<file path=ppt/slides/slide47.xml><?xml version="1.0" encoding="utf-8"?>
+<file path=ppt/slides/slide49.xml><?xml version="1.0" encoding="utf-8"?>
 <p:sld xmlns:a="http://schemas.openxmlformats.org/drawingml/2006/main" xmlns:r="http://schemas.openxmlformats.org/officeDocument/2006/relationships" xmlns:p="http://schemas.openxmlformats.org/presentationml/2006/main">
   <p:cSld>
     <p:spTree>
@@ -18892,7 +19169,114 @@
 </p:sld>
 </file>
 
-<file path=ppt/slides/slide48.xml><?xml version="1.0" encoding="utf-8"?>
+<file path=ppt/slides/slide5.xml><?xml version="1.0" encoding="utf-8"?>
+<p:sld xmlns:a="http://schemas.openxmlformats.org/drawingml/2006/main" xmlns:r="http://schemas.openxmlformats.org/officeDocument/2006/relationships" xmlns:p="http://schemas.openxmlformats.org/presentationml/2006/main">
+  <p:cSld>
+    <p:spTree>
+      <p:nvGrpSpPr>
+        <p:cNvPr id="1" name=""/>
+        <p:cNvGrpSpPr/>
+        <p:nvPr/>
+      </p:nvGrpSpPr>
+      <p:grpSpPr>
+        <a:xfrm>
+          <a:off x="0" y="0"/>
+          <a:ext cx="0" cy="0"/>
+          <a:chOff x="0" y="0"/>
+          <a:chExt cx="0" cy="0"/>
+        </a:xfrm>
+      </p:grpSpPr>
+      <p:sp>
+        <p:nvSpPr>
+          <p:cNvPr id="2" name="Title 1"/>
+          <p:cNvSpPr>
+            <a:spLocks noGrp="1"/>
+          </p:cNvSpPr>
+          <p:nvPr>
+            <p:ph type="title"/>
+          </p:nvPr>
+        </p:nvSpPr>
+        <p:spPr/>
+        <p:txBody>
+          <a:bodyPr/>
+          <a:lstStyle/>
+          <a:p>
+            <a:r>
+              <a:rPr lang="en-US"/>
+              <a:t>What is meta-analysis?</a:t>
+            </a:r>
+          </a:p>
+        </p:txBody>
+      </p:sp>
+      <p:sp>
+        <p:nvSpPr>
+          <p:cNvPr id="3" name="Content Placeholder 2"/>
+          <p:cNvSpPr>
+            <a:spLocks noGrp="1"/>
+          </p:cNvSpPr>
+          <p:nvPr>
+            <p:ph idx="1"/>
+          </p:nvPr>
+        </p:nvSpPr>
+        <p:spPr/>
+        <p:txBody>
+          <a:bodyPr>
+            <a:normAutofit/>
+          </a:bodyPr>
+          <a:lstStyle/>
+          <a:p>
+            <a:r>
+              <a:rPr lang="en-US" b="1" dirty="0"/>
+              <a:t>Quantitative combination of statistical information</a:t>
+            </a:r>
+            <a:r>
+              <a:rPr lang="en-US" dirty="0"/>
+              <a:t> from </a:t>
+            </a:r>
+            <a:r>
+              <a:rPr lang="en-US" i="1" dirty="0"/>
+              <a:t>multiple empirical studies</a:t>
+            </a:r>
+            <a:r>
+              <a:rPr lang="en-US" dirty="0"/>
+              <a:t> to produce an overall estimate of a particular relationship</a:t>
+            </a:r>
+          </a:p>
+          <a:p>
+            <a:endParaRPr lang="en-US" b="1" dirty="0"/>
+          </a:p>
+          <a:p>
+            <a:r>
+              <a:rPr lang="en-US" b="1" dirty="0"/>
+              <a:t>Approach:</a:t>
+            </a:r>
+            <a:r>
+              <a:rPr lang="en-US" dirty="0"/>
+              <a:t> Quantify the size, direction, and precision of the effect or association in each study and use this as primary data in further analyses </a:t>
+            </a:r>
+          </a:p>
+          <a:p>
+            <a:pPr marL="457262" lvl="1" indent="0">
+              <a:buNone/>
+            </a:pPr>
+            <a:endParaRPr lang="en-US" dirty="0"/>
+          </a:p>
+        </p:txBody>
+      </p:sp>
+    </p:spTree>
+    <p:extLst>
+      <p:ext uri="{BB962C8B-B14F-4D97-AF65-F5344CB8AC3E}">
+        <p14:creationId xmlns:p14="http://schemas.microsoft.com/office/powerpoint/2010/main" val="1870032128"/>
+      </p:ext>
+    </p:extLst>
+  </p:cSld>
+  <p:clrMapOvr>
+    <a:masterClrMapping/>
+  </p:clrMapOvr>
+</p:sld>
+</file>
+
+<file path=ppt/slides/slide50.xml><?xml version="1.0" encoding="utf-8"?>
 <p:sld xmlns:a="http://schemas.openxmlformats.org/drawingml/2006/main" xmlns:r="http://schemas.openxmlformats.org/officeDocument/2006/relationships" xmlns:p="http://schemas.openxmlformats.org/presentationml/2006/main">
   <p:cSld>
     <p:spTree>
@@ -19672,7 +20056,7 @@
 </p:sld>
 </file>
 
-<file path=ppt/slides/slide49.xml><?xml version="1.0" encoding="utf-8"?>
+<file path=ppt/slides/slide51.xml><?xml version="1.0" encoding="utf-8"?>
 <p:sld xmlns:a="http://schemas.openxmlformats.org/drawingml/2006/main" xmlns:r="http://schemas.openxmlformats.org/officeDocument/2006/relationships" xmlns:p="http://schemas.openxmlformats.org/presentationml/2006/main">
   <p:cSld>
     <p:spTree>
@@ -19732,157 +20116,7 @@
 </p:sld>
 </file>
 
-<file path=ppt/slides/slide5.xml><?xml version="1.0" encoding="utf-8"?>
-<p:sld xmlns:a="http://schemas.openxmlformats.org/drawingml/2006/main" xmlns:r="http://schemas.openxmlformats.org/officeDocument/2006/relationships" xmlns:p="http://schemas.openxmlformats.org/presentationml/2006/main">
-  <p:cSld>
-    <p:spTree>
-      <p:nvGrpSpPr>
-        <p:cNvPr id="1" name=""/>
-        <p:cNvGrpSpPr/>
-        <p:nvPr/>
-      </p:nvGrpSpPr>
-      <p:grpSpPr>
-        <a:xfrm>
-          <a:off x="0" y="0"/>
-          <a:ext cx="0" cy="0"/>
-          <a:chOff x="0" y="0"/>
-          <a:chExt cx="0" cy="0"/>
-        </a:xfrm>
-      </p:grpSpPr>
-      <p:sp>
-        <p:nvSpPr>
-          <p:cNvPr id="2" name="Title 1">
-            <a:extLst>
-              <a:ext uri="{FF2B5EF4-FFF2-40B4-BE49-F238E27FC236}">
-                <a16:creationId xmlns:a16="http://schemas.microsoft.com/office/drawing/2014/main" id="{3CEA6526-9FBE-2D4F-B2A6-A6F06A950DC1}"/>
-              </a:ext>
-            </a:extLst>
-          </p:cNvPr>
-          <p:cNvSpPr>
-            <a:spLocks noGrp="1"/>
-          </p:cNvSpPr>
-          <p:nvPr>
-            <p:ph type="title"/>
-          </p:nvPr>
-        </p:nvSpPr>
-        <p:spPr/>
-        <p:txBody>
-          <a:bodyPr/>
-          <a:lstStyle/>
-          <a:p>
-            <a:r>
-              <a:rPr lang="en-US" dirty="0"/>
-              <a:t>Meta-analysis in the SR process</a:t>
-            </a:r>
-          </a:p>
-        </p:txBody>
-      </p:sp>
-      <p:pic>
-        <p:nvPicPr>
-          <p:cNvPr id="5" name="Picture 4">
-            <a:extLst>
-              <a:ext uri="{FF2B5EF4-FFF2-40B4-BE49-F238E27FC236}">
-                <a16:creationId xmlns:a16="http://schemas.microsoft.com/office/drawing/2014/main" id="{9B5D96C1-2BB5-7F48-A3F4-63396456F7D2}"/>
-              </a:ext>
-            </a:extLst>
-          </p:cNvPr>
-          <p:cNvPicPr>
-            <a:picLocks noChangeAspect="1"/>
-          </p:cNvPicPr>
-          <p:nvPr/>
-        </p:nvPicPr>
-        <p:blipFill>
-          <a:blip r:embed="rId2" cstate="screen">
-            <a:extLst>
-              <a:ext uri="{28A0092B-C50C-407E-A947-70E740481C1C}">
-                <a14:useLocalDpi xmlns:a14="http://schemas.microsoft.com/office/drawing/2010/main"/>
-              </a:ext>
-            </a:extLst>
-          </a:blip>
-          <a:stretch>
-            <a:fillRect/>
-          </a:stretch>
-        </p:blipFill>
-        <p:spPr>
-          <a:xfrm>
-            <a:off x="2682091" y="1077114"/>
-            <a:ext cx="6827818" cy="5780886"/>
-          </a:xfrm>
-          <a:prstGeom prst="rect">
-            <a:avLst/>
-          </a:prstGeom>
-        </p:spPr>
-      </p:pic>
-      <p:sp>
-        <p:nvSpPr>
-          <p:cNvPr id="7" name="Rectangle 6">
-            <a:extLst>
-              <a:ext uri="{FF2B5EF4-FFF2-40B4-BE49-F238E27FC236}">
-                <a16:creationId xmlns:a16="http://schemas.microsoft.com/office/drawing/2014/main" id="{6DD36629-8D4B-C142-BFE3-A05CC4207200}"/>
-              </a:ext>
-            </a:extLst>
-          </p:cNvPr>
-          <p:cNvSpPr/>
-          <p:nvPr/>
-        </p:nvSpPr>
-        <p:spPr>
-          <a:xfrm>
-            <a:off x="167363" y="5514569"/>
-            <a:ext cx="2331087" cy="646331"/>
-          </a:xfrm>
-          <a:prstGeom prst="rect">
-            <a:avLst/>
-          </a:prstGeom>
-        </p:spPr>
-        <p:txBody>
-          <a:bodyPr wrap="none">
-            <a:spAutoFit/>
-          </a:bodyPr>
-          <a:lstStyle/>
-          <a:p>
-            <a:r>
-              <a:rPr lang="en-US" dirty="0">
-                <a:solidFill>
-                  <a:srgbClr val="333333"/>
-                </a:solidFill>
-                <a:latin typeface="FiraGO" panose="020B0503050000020004" pitchFamily="34" charset="0"/>
-                <a:cs typeface="FiraGO" panose="020B0503050000020004" pitchFamily="34" charset="0"/>
-              </a:rPr>
-              <a:t>Cooper (2016)</a:t>
-            </a:r>
-          </a:p>
-          <a:p>
-            <a:r>
-              <a:rPr lang="en-US" dirty="0">
-                <a:solidFill>
-                  <a:srgbClr val="333333"/>
-                </a:solidFill>
-                <a:latin typeface="FiraGO" panose="020B0503050000020004" pitchFamily="34" charset="0"/>
-                <a:cs typeface="FiraGO" panose="020B0503050000020004" pitchFamily="34" charset="0"/>
-              </a:rPr>
-              <a:t>ISBN: 9781483331157</a:t>
-            </a:r>
-            <a:endParaRPr lang="en-US" dirty="0">
-              <a:latin typeface="FiraGO" panose="020B0503050000020004" pitchFamily="34" charset="0"/>
-              <a:cs typeface="FiraGO" panose="020B0503050000020004" pitchFamily="34" charset="0"/>
-            </a:endParaRPr>
-          </a:p>
-        </p:txBody>
-      </p:sp>
-    </p:spTree>
-    <p:extLst>
-      <p:ext uri="{BB962C8B-B14F-4D97-AF65-F5344CB8AC3E}">
-        <p14:creationId xmlns:p14="http://schemas.microsoft.com/office/powerpoint/2010/main" val="1521064706"/>
-      </p:ext>
-    </p:extLst>
-  </p:cSld>
-  <p:clrMapOvr>
-    <a:masterClrMapping/>
-  </p:clrMapOvr>
-</p:sld>
-</file>
-
-<file path=ppt/slides/slide50.xml><?xml version="1.0" encoding="utf-8"?>
+<file path=ppt/slides/slide52.xml><?xml version="1.0" encoding="utf-8"?>
 <p:sld xmlns:a="http://schemas.openxmlformats.org/drawingml/2006/main" xmlns:r="http://schemas.openxmlformats.org/officeDocument/2006/relationships" xmlns:p="http://schemas.openxmlformats.org/presentationml/2006/main">
   <p:cSld>
     <p:spTree>
@@ -20288,7 +20522,7 @@
 </p:sld>
 </file>
 
-<file path=ppt/slides/slide51.xml><?xml version="1.0" encoding="utf-8"?>
+<file path=ppt/slides/slide53.xml><?xml version="1.0" encoding="utf-8"?>
 <p:sld xmlns:a="http://schemas.openxmlformats.org/drawingml/2006/main" xmlns:r="http://schemas.openxmlformats.org/officeDocument/2006/relationships" xmlns:p="http://schemas.openxmlformats.org/presentationml/2006/main">
   <p:cSld>
     <p:spTree>
@@ -21000,7 +21234,7 @@
 </p:sld>
 </file>
 
-<file path=ppt/slides/slide52.xml><?xml version="1.0" encoding="utf-8"?>
+<file path=ppt/slides/slide54.xml><?xml version="1.0" encoding="utf-8"?>
 <p:sld xmlns:a="http://schemas.openxmlformats.org/drawingml/2006/main" xmlns:r="http://schemas.openxmlformats.org/officeDocument/2006/relationships" xmlns:p="http://schemas.openxmlformats.org/presentationml/2006/main">
   <p:cSld>
     <p:spTree>
@@ -21102,7 +21336,7 @@
 </p:sld>
 </file>
 
-<file path=ppt/slides/slide53.xml><?xml version="1.0" encoding="utf-8"?>
+<file path=ppt/slides/slide55.xml><?xml version="1.0" encoding="utf-8"?>
 <p:sld xmlns:a="http://schemas.openxmlformats.org/drawingml/2006/main" xmlns:r="http://schemas.openxmlformats.org/officeDocument/2006/relationships" xmlns:p="http://schemas.openxmlformats.org/presentationml/2006/main">
   <p:cSld>
     <p:spTree>
@@ -21203,7 +21437,7 @@
 </p:sld>
 </file>
 
-<file path=ppt/slides/slide54.xml><?xml version="1.0" encoding="utf-8"?>
+<file path=ppt/slides/slide56.xml><?xml version="1.0" encoding="utf-8"?>
 <p:sld xmlns:a="http://schemas.openxmlformats.org/drawingml/2006/main" xmlns:r="http://schemas.openxmlformats.org/officeDocument/2006/relationships" xmlns:p="http://schemas.openxmlformats.org/presentationml/2006/main">
   <p:cSld>
     <p:spTree>
@@ -21393,7 +21627,7 @@
 </p:sld>
 </file>
 
-<file path=ppt/slides/slide55.xml><?xml version="1.0" encoding="utf-8"?>
+<file path=ppt/slides/slide57.xml><?xml version="1.0" encoding="utf-8"?>
 <p:sld xmlns:a="http://schemas.openxmlformats.org/drawingml/2006/main" xmlns:r="http://schemas.openxmlformats.org/officeDocument/2006/relationships" xmlns:p="http://schemas.openxmlformats.org/presentationml/2006/main">
   <p:cSld>
     <p:spTree>
@@ -21571,7 +21805,7 @@
 </p:sld>
 </file>
 
-<file path=ppt/slides/slide56.xml><?xml version="1.0" encoding="utf-8"?>
+<file path=ppt/slides/slide58.xml><?xml version="1.0" encoding="utf-8"?>
 <p:sld xmlns:a="http://schemas.openxmlformats.org/drawingml/2006/main" xmlns:r="http://schemas.openxmlformats.org/officeDocument/2006/relationships" xmlns:p="http://schemas.openxmlformats.org/presentationml/2006/main">
   <p:cSld>
     <p:spTree>
@@ -21699,7 +21933,7 @@
 </p:sld>
 </file>
 
-<file path=ppt/slides/slide57.xml><?xml version="1.0" encoding="utf-8"?>
+<file path=ppt/slides/slide59.xml><?xml version="1.0" encoding="utf-8"?>
 <p:sld xmlns:a="http://schemas.openxmlformats.org/drawingml/2006/main" xmlns:r="http://schemas.openxmlformats.org/officeDocument/2006/relationships" xmlns:p="http://schemas.openxmlformats.org/presentationml/2006/main">
   <p:cSld>
     <p:spTree>
@@ -21875,7 +22109,126 @@
 </p:sld>
 </file>
 
-<file path=ppt/slides/slide58.xml><?xml version="1.0" encoding="utf-8"?>
+<file path=ppt/slides/slide6.xml><?xml version="1.0" encoding="utf-8"?>
+<p:sld xmlns:a="http://schemas.openxmlformats.org/drawingml/2006/main" xmlns:r="http://schemas.openxmlformats.org/officeDocument/2006/relationships" xmlns:p="http://schemas.openxmlformats.org/presentationml/2006/main">
+  <p:cSld>
+    <p:spTree>
+      <p:nvGrpSpPr>
+        <p:cNvPr id="1" name=""/>
+        <p:cNvGrpSpPr/>
+        <p:nvPr/>
+      </p:nvGrpSpPr>
+      <p:grpSpPr>
+        <a:xfrm>
+          <a:off x="0" y="0"/>
+          <a:ext cx="0" cy="0"/>
+          <a:chOff x="0" y="0"/>
+          <a:chExt cx="0" cy="0"/>
+        </a:xfrm>
+      </p:grpSpPr>
+      <p:sp>
+        <p:nvSpPr>
+          <p:cNvPr id="2" name="Title 1">
+            <a:extLst>
+              <a:ext uri="{FF2B5EF4-FFF2-40B4-BE49-F238E27FC236}">
+                <a16:creationId xmlns:a16="http://schemas.microsoft.com/office/drawing/2014/main" id="{850F3FA2-D9F4-E640-BAFD-D5489AADF7C8}"/>
+              </a:ext>
+            </a:extLst>
+          </p:cNvPr>
+          <p:cNvSpPr>
+            <a:spLocks noGrp="1"/>
+          </p:cNvSpPr>
+          <p:nvPr>
+            <p:ph type="title"/>
+          </p:nvPr>
+        </p:nvSpPr>
+        <p:spPr/>
+        <p:txBody>
+          <a:bodyPr/>
+          <a:lstStyle/>
+          <a:p>
+            <a:r>
+              <a:rPr lang="en-US" dirty="0"/>
+              <a:t>Questions Meta-Analysis Can Address</a:t>
+            </a:r>
+          </a:p>
+        </p:txBody>
+      </p:sp>
+      <p:sp>
+        <p:nvSpPr>
+          <p:cNvPr id="3" name="Content Placeholder 2">
+            <a:extLst>
+              <a:ext uri="{FF2B5EF4-FFF2-40B4-BE49-F238E27FC236}">
+                <a16:creationId xmlns:a16="http://schemas.microsoft.com/office/drawing/2014/main" id="{B3908691-B867-E245-A64B-A82A5F48D14E}"/>
+              </a:ext>
+            </a:extLst>
+          </p:cNvPr>
+          <p:cNvSpPr>
+            <a:spLocks noGrp="1"/>
+          </p:cNvSpPr>
+          <p:nvPr>
+            <p:ph idx="1"/>
+          </p:nvPr>
+        </p:nvSpPr>
+        <p:spPr/>
+        <p:txBody>
+          <a:bodyPr>
+            <a:normAutofit/>
+          </a:bodyPr>
+          <a:lstStyle/>
+          <a:p>
+            <a:r>
+              <a:rPr lang="en-US" dirty="0"/>
+              <a:t>Meta-analysis examines whether an effect varies and, </a:t>
+            </a:r>
+            <a:br>
+              <a:rPr lang="en-US" dirty="0"/>
+            </a:br>
+            <a:r>
+              <a:rPr lang="en-US" dirty="0"/>
+              <a:t>if so, how and why</a:t>
+            </a:r>
+          </a:p>
+          <a:p>
+            <a:endParaRPr lang="en-US" dirty="0"/>
+          </a:p>
+          <a:p>
+            <a:r>
+              <a:rPr lang="en-US" dirty="0"/>
+              <a:t>What is the overall (average) size and direction of the effect or association? </a:t>
+            </a:r>
+          </a:p>
+          <a:p>
+            <a:r>
+              <a:rPr lang="en-US" dirty="0"/>
+              <a:t>How much do effects or associations vary across studies?</a:t>
+            </a:r>
+          </a:p>
+          <a:p>
+            <a:r>
+              <a:rPr lang="en-US" dirty="0"/>
+              <a:t>Does the effect or association depend on characteristics of the studies? </a:t>
+            </a:r>
+          </a:p>
+          <a:p>
+            <a:endParaRPr lang="en-US" dirty="0"/>
+          </a:p>
+        </p:txBody>
+      </p:sp>
+    </p:spTree>
+    <p:extLst>
+      <p:ext uri="{BB962C8B-B14F-4D97-AF65-F5344CB8AC3E}">
+        <p14:creationId xmlns:p14="http://schemas.microsoft.com/office/powerpoint/2010/main" val="3387747372"/>
+      </p:ext>
+    </p:extLst>
+  </p:cSld>
+  <p:clrMapOvr>
+    <a:masterClrMapping/>
+  </p:clrMapOvr>
+</p:sld>
+</file>
+
+<file path=ppt/slides/slide60.xml><?xml version="1.0" encoding="utf-8"?>
 <p:sld xmlns:a="http://schemas.openxmlformats.org/drawingml/2006/main" xmlns:r="http://schemas.openxmlformats.org/officeDocument/2006/relationships" xmlns:p="http://schemas.openxmlformats.org/presentationml/2006/main">
   <p:cSld>
     <p:spTree>
@@ -22298,7 +22651,7 @@
 </p:sld>
 </file>
 
-<file path=ppt/slides/slide59.xml><?xml version="1.0" encoding="utf-8"?>
+<file path=ppt/slides/slide61.xml><?xml version="1.0" encoding="utf-8"?>
 <p:sld xmlns:a="http://schemas.openxmlformats.org/drawingml/2006/main" xmlns:r="http://schemas.openxmlformats.org/officeDocument/2006/relationships" xmlns:p="http://schemas.openxmlformats.org/presentationml/2006/main">
   <p:cSld>
     <p:spTree>
@@ -22740,147 +23093,7 @@
 </p:sld>
 </file>
 
-<file path=ppt/slides/slide6.xml><?xml version="1.0" encoding="utf-8"?>
-<p:sld xmlns:a="http://schemas.openxmlformats.org/drawingml/2006/main" xmlns:r="http://schemas.openxmlformats.org/officeDocument/2006/relationships" xmlns:p="http://schemas.openxmlformats.org/presentationml/2006/main">
-  <p:cSld>
-    <p:spTree>
-      <p:nvGrpSpPr>
-        <p:cNvPr id="1" name=""/>
-        <p:cNvGrpSpPr/>
-        <p:nvPr/>
-      </p:nvGrpSpPr>
-      <p:grpSpPr>
-        <a:xfrm>
-          <a:off x="0" y="0"/>
-          <a:ext cx="0" cy="0"/>
-          <a:chOff x="0" y="0"/>
-          <a:chExt cx="0" cy="0"/>
-        </a:xfrm>
-      </p:grpSpPr>
-      <p:sp>
-        <p:nvSpPr>
-          <p:cNvPr id="8194" name="Rectangle 2"/>
-          <p:cNvSpPr>
-            <a:spLocks noGrp="1" noChangeArrowheads="1"/>
-          </p:cNvSpPr>
-          <p:nvPr>
-            <p:ph type="title"/>
-          </p:nvPr>
-        </p:nvSpPr>
-        <p:spPr/>
-        <p:txBody>
-          <a:bodyPr/>
-          <a:lstStyle/>
-          <a:p>
-            <a:r>
-              <a:rPr lang="en-US" altLang="en-US"/>
-              <a:t>Logic of Meta-Analysis</a:t>
-            </a:r>
-          </a:p>
-        </p:txBody>
-      </p:sp>
-      <p:sp>
-        <p:nvSpPr>
-          <p:cNvPr id="8195" name="Rectangle 3"/>
-          <p:cNvSpPr>
-            <a:spLocks noGrp="1" noChangeArrowheads="1"/>
-          </p:cNvSpPr>
-          <p:nvPr>
-            <p:ph idx="1"/>
-          </p:nvPr>
-        </p:nvSpPr>
-        <p:spPr/>
-        <p:txBody>
-          <a:bodyPr>
-            <a:normAutofit fontScale="92500" lnSpcReduction="20000"/>
-          </a:bodyPr>
-          <a:lstStyle/>
-          <a:p>
-            <a:r>
-              <a:rPr lang="en-US" altLang="en-US" dirty="0"/>
-              <a:t>Traditional narrative reviews are biased</a:t>
-            </a:r>
-          </a:p>
-          <a:p>
-            <a:pPr lvl="1"/>
-            <a:r>
-              <a:rPr lang="en-US" altLang="en-US" dirty="0"/>
-              <a:t>Cannot be comprehensive</a:t>
-            </a:r>
-          </a:p>
-          <a:p>
-            <a:pPr lvl="1"/>
-            <a:r>
-              <a:rPr lang="en-US" altLang="en-US" dirty="0"/>
-              <a:t>Often reflects reviewer bias</a:t>
-            </a:r>
-          </a:p>
-          <a:p>
-            <a:pPr lvl="1"/>
-            <a:r>
-              <a:rPr lang="en-US" altLang="en-US" dirty="0"/>
-              <a:t>Typical focus on statistical significance testing</a:t>
-            </a:r>
-          </a:p>
-          <a:p>
-            <a:r>
-              <a:rPr lang="en-US" altLang="en-US" dirty="0"/>
-              <a:t>Significance testing misleads scientific inquiry</a:t>
-            </a:r>
-          </a:p>
-          <a:p>
-            <a:pPr lvl="1"/>
-            <a:r>
-              <a:rPr lang="en-US" altLang="en-US" dirty="0"/>
-              <a:t>Highly dependent on sample size</a:t>
-            </a:r>
-          </a:p>
-          <a:p>
-            <a:pPr lvl="1"/>
-            <a:r>
-              <a:rPr lang="en-US" altLang="en-US" dirty="0"/>
-              <a:t>Highly dependent on size of population effect</a:t>
-            </a:r>
-          </a:p>
-          <a:p>
-            <a:pPr lvl="1"/>
-            <a:r>
-              <a:rPr lang="en-US" altLang="en-US" dirty="0"/>
-              <a:t>Null findings not given the same “weight” as significant findings</a:t>
-            </a:r>
-          </a:p>
-          <a:p>
-            <a:r>
-              <a:rPr lang="en-US" altLang="en-US" dirty="0"/>
-              <a:t>Meta-analysis changes the focus to the direction and magnitude of the effects across studies</a:t>
-            </a:r>
-          </a:p>
-          <a:p>
-            <a:pPr lvl="1"/>
-            <a:r>
-              <a:rPr lang="en-US" altLang="en-US" dirty="0"/>
-              <a:t>Direction and magnitude represented by the effect size</a:t>
-            </a:r>
-          </a:p>
-          <a:p>
-            <a:endParaRPr lang="en-US" altLang="en-US" dirty="0"/>
-          </a:p>
-        </p:txBody>
-      </p:sp>
-    </p:spTree>
-    <p:extLst>
-      <p:ext uri="{BB962C8B-B14F-4D97-AF65-F5344CB8AC3E}">
-        <p14:creationId xmlns:p14="http://schemas.microsoft.com/office/powerpoint/2010/main" val="2393240205"/>
-      </p:ext>
-    </p:extLst>
-  </p:cSld>
-  <p:clrMapOvr>
-    <a:masterClrMapping/>
-  </p:clrMapOvr>
-</p:sld>
-</file>
-
-<file path=ppt/slides/slide60.xml><?xml version="1.0" encoding="utf-8"?>
+<file path=ppt/slides/slide62.xml><?xml version="1.0" encoding="utf-8"?>
 <p:sld xmlns:a="http://schemas.openxmlformats.org/drawingml/2006/main" xmlns:r="http://schemas.openxmlformats.org/officeDocument/2006/relationships" xmlns:p="http://schemas.openxmlformats.org/presentationml/2006/main">
   <p:cSld>
     <p:spTree>
@@ -23604,7 +23817,7 @@
 </p:sld>
 </file>
 
-<file path=ppt/slides/slide61.xml><?xml version="1.0" encoding="utf-8"?>
+<file path=ppt/slides/slide63.xml><?xml version="1.0" encoding="utf-8"?>
 <p:sld xmlns:a="http://schemas.openxmlformats.org/drawingml/2006/main" xmlns:r="http://schemas.openxmlformats.org/officeDocument/2006/relationships" xmlns:p="http://schemas.openxmlformats.org/presentationml/2006/main">
   <p:cSld>
     <p:spTree>
@@ -24412,7 +24625,7 @@
 </p:sld>
 </file>
 
-<file path=ppt/slides/slide62.xml><?xml version="1.0" encoding="utf-8"?>
+<file path=ppt/slides/slide64.xml><?xml version="1.0" encoding="utf-8"?>
 <p:sld xmlns:a="http://schemas.openxmlformats.org/drawingml/2006/main" xmlns:r="http://schemas.openxmlformats.org/officeDocument/2006/relationships" xmlns:p="http://schemas.openxmlformats.org/presentationml/2006/main">
   <p:cSld>
     <p:spTree>
@@ -25248,7 +25461,7 @@
 </p:sld>
 </file>
 
-<file path=ppt/slides/slide63.xml><?xml version="1.0" encoding="utf-8"?>
+<file path=ppt/slides/slide65.xml><?xml version="1.0" encoding="utf-8"?>
 <p:sld xmlns:a="http://schemas.openxmlformats.org/drawingml/2006/main" xmlns:r="http://schemas.openxmlformats.org/officeDocument/2006/relationships" xmlns:p="http://schemas.openxmlformats.org/presentationml/2006/main">
   <p:cSld>
     <p:spTree>
@@ -25377,7 +25590,7 @@
 </p:sld>
 </file>
 
-<file path=ppt/slides/slide64.xml><?xml version="1.0" encoding="utf-8"?>
+<file path=ppt/slides/slide66.xml><?xml version="1.0" encoding="utf-8"?>
 <p:sld xmlns:a="http://schemas.openxmlformats.org/drawingml/2006/main" xmlns:r="http://schemas.openxmlformats.org/officeDocument/2006/relationships" xmlns:p="http://schemas.openxmlformats.org/presentationml/2006/main">
   <p:cSld>
     <p:spTree>
@@ -25511,6 +25724,20 @@
                 <a:latin typeface="+mn-lt"/>
               </a:rPr>
               <a:t> in R</a:t>
+            </a:r>
+          </a:p>
+          <a:p>
+            <a:r>
+              <a:rPr lang="en-US" dirty="0" err="1">
+                <a:latin typeface="+mn-lt"/>
+              </a:rPr>
+              <a:t>effectsize</a:t>
+            </a:r>
+            <a:r>
+              <a:rPr lang="en-US" dirty="0">
+                <a:latin typeface="+mn-lt"/>
+              </a:rPr>
+              <a:t> package in R</a:t>
             </a:r>
             <a:endParaRPr lang="en-US" dirty="0"/>
           </a:p>
@@ -25551,7 +25778,13 @@
       </p:grpSpPr>
       <p:sp>
         <p:nvSpPr>
-          <p:cNvPr id="2" name="Title 1"/>
+          <p:cNvPr id="2" name="Title 1">
+            <a:extLst>
+              <a:ext uri="{FF2B5EF4-FFF2-40B4-BE49-F238E27FC236}">
+                <a16:creationId xmlns:a16="http://schemas.microsoft.com/office/drawing/2014/main" id="{3CEA6526-9FBE-2D4F-B2A6-A6F06A950DC1}"/>
+              </a:ext>
+            </a:extLst>
+          </p:cNvPr>
           <p:cNvSpPr>
             <a:spLocks noGrp="1"/>
           </p:cNvSpPr>
@@ -25565,84 +25798,108 @@
           <a:lstStyle/>
           <a:p>
             <a:r>
-              <a:rPr lang="en-US"/>
-              <a:t>Applications of meta-analysis</a:t>
+              <a:rPr lang="en-US" dirty="0"/>
+              <a:t>Meta-analysis in the SR process</a:t>
             </a:r>
           </a:p>
         </p:txBody>
       </p:sp>
+      <p:pic>
+        <p:nvPicPr>
+          <p:cNvPr id="5" name="Picture 4">
+            <a:extLst>
+              <a:ext uri="{FF2B5EF4-FFF2-40B4-BE49-F238E27FC236}">
+                <a16:creationId xmlns:a16="http://schemas.microsoft.com/office/drawing/2014/main" id="{9B5D96C1-2BB5-7F48-A3F4-63396456F7D2}"/>
+              </a:ext>
+            </a:extLst>
+          </p:cNvPr>
+          <p:cNvPicPr>
+            <a:picLocks noChangeAspect="1"/>
+          </p:cNvPicPr>
+          <p:nvPr/>
+        </p:nvPicPr>
+        <p:blipFill>
+          <a:blip r:embed="rId2" cstate="screen">
+            <a:extLst>
+              <a:ext uri="{28A0092B-C50C-407E-A947-70E740481C1C}">
+                <a14:useLocalDpi xmlns:a14="http://schemas.microsoft.com/office/drawing/2010/main"/>
+              </a:ext>
+            </a:extLst>
+          </a:blip>
+          <a:stretch>
+            <a:fillRect/>
+          </a:stretch>
+        </p:blipFill>
+        <p:spPr>
+          <a:xfrm>
+            <a:off x="2682091" y="1077114"/>
+            <a:ext cx="6827818" cy="5780886"/>
+          </a:xfrm>
+          <a:prstGeom prst="rect">
+            <a:avLst/>
+          </a:prstGeom>
+        </p:spPr>
+      </p:pic>
       <p:sp>
         <p:nvSpPr>
-          <p:cNvPr id="3" name="Content Placeholder 2"/>
-          <p:cNvSpPr>
-            <a:spLocks noGrp="1"/>
-          </p:cNvSpPr>
-          <p:nvPr>
-            <p:ph idx="1"/>
-          </p:nvPr>
+          <p:cNvPr id="7" name="Rectangle 6">
+            <a:extLst>
+              <a:ext uri="{FF2B5EF4-FFF2-40B4-BE49-F238E27FC236}">
+                <a16:creationId xmlns:a16="http://schemas.microsoft.com/office/drawing/2014/main" id="{6DD36629-8D4B-C142-BFE3-A05CC4207200}"/>
+              </a:ext>
+            </a:extLst>
+          </p:cNvPr>
+          <p:cNvSpPr/>
+          <p:nvPr/>
         </p:nvSpPr>
-        <p:spPr/>
+        <p:spPr>
+          <a:xfrm>
+            <a:off x="167363" y="5514569"/>
+            <a:ext cx="2331087" cy="646331"/>
+          </a:xfrm>
+          <a:prstGeom prst="rect">
+            <a:avLst/>
+          </a:prstGeom>
+        </p:spPr>
         <p:txBody>
-          <a:bodyPr/>
+          <a:bodyPr wrap="none">
+            <a:spAutoFit/>
+          </a:bodyPr>
           <a:lstStyle/>
           <a:p>
             <a:r>
-              <a:rPr lang="en-US" sz="3600" dirty="0"/>
-              <a:t>Meta-analytic reviews</a:t>
-            </a:r>
-          </a:p>
-          <a:p>
-            <a:endParaRPr lang="en-US" sz="3600" dirty="0"/>
-          </a:p>
-          <a:p>
-            <a:r>
-              <a:rPr lang="en-US" sz="3600" dirty="0"/>
-              <a:t>Meta-analyses with primary data</a:t>
-            </a:r>
-          </a:p>
-          <a:p>
-            <a:pPr lvl="1"/>
-            <a:r>
-              <a:rPr lang="en-US" dirty="0"/>
-              <a:t>Multi-site studies</a:t>
-            </a:r>
-          </a:p>
-          <a:p>
-            <a:pPr lvl="2"/>
-            <a:r>
-              <a:rPr lang="en-US" dirty="0"/>
-              <a:t>E.g., multiple clinics, multiple organizations, multiple schools</a:t>
-            </a:r>
-          </a:p>
-          <a:p>
-            <a:pPr lvl="1"/>
-            <a:r>
-              <a:rPr lang="en-US" dirty="0"/>
-              <a:t>Multiple group/moderator analyses</a:t>
-            </a:r>
-          </a:p>
-          <a:p>
-            <a:pPr lvl="2"/>
-            <a:r>
-              <a:rPr lang="en-US" dirty="0"/>
-              <a:t>Different job families, different patient populations, different countries or cultures</a:t>
-            </a:r>
-          </a:p>
-          <a:p>
-            <a:pPr marL="914524" lvl="2" indent="0">
-              <a:buNone/>
-            </a:pPr>
-            <a:endParaRPr lang="en-US" dirty="0"/>
-          </a:p>
-          <a:p>
-            <a:endParaRPr lang="en-US" sz="3600" dirty="0"/>
+              <a:rPr lang="en-US" dirty="0">
+                <a:solidFill>
+                  <a:srgbClr val="333333"/>
+                </a:solidFill>
+                <a:latin typeface="FiraGO" panose="020B0503050000020004" pitchFamily="34" charset="0"/>
+                <a:cs typeface="FiraGO" panose="020B0503050000020004" pitchFamily="34" charset="0"/>
+              </a:rPr>
+              <a:t>Cooper (2016)</a:t>
+            </a:r>
+          </a:p>
+          <a:p>
+            <a:r>
+              <a:rPr lang="en-US" dirty="0">
+                <a:solidFill>
+                  <a:srgbClr val="333333"/>
+                </a:solidFill>
+                <a:latin typeface="FiraGO" panose="020B0503050000020004" pitchFamily="34" charset="0"/>
+                <a:cs typeface="FiraGO" panose="020B0503050000020004" pitchFamily="34" charset="0"/>
+              </a:rPr>
+              <a:t>ISBN: 9781483331157</a:t>
+            </a:r>
+            <a:endParaRPr lang="en-US" dirty="0">
+              <a:latin typeface="FiraGO" panose="020B0503050000020004" pitchFamily="34" charset="0"/>
+              <a:cs typeface="FiraGO" panose="020B0503050000020004" pitchFamily="34" charset="0"/>
+            </a:endParaRPr>
           </a:p>
         </p:txBody>
       </p:sp>
     </p:spTree>
     <p:extLst>
       <p:ext uri="{BB962C8B-B14F-4D97-AF65-F5344CB8AC3E}">
-        <p14:creationId xmlns:p14="http://schemas.microsoft.com/office/powerpoint/2010/main" val="2745640192"/>
+        <p14:creationId xmlns:p14="http://schemas.microsoft.com/office/powerpoint/2010/main" val="1521064706"/>
       </p:ext>
     </p:extLst>
   </p:cSld>
@@ -25653,6 +25910,146 @@
 </file>
 
 <file path=ppt/slides/slide8.xml><?xml version="1.0" encoding="utf-8"?>
+<p:sld xmlns:a="http://schemas.openxmlformats.org/drawingml/2006/main" xmlns:r="http://schemas.openxmlformats.org/officeDocument/2006/relationships" xmlns:p="http://schemas.openxmlformats.org/presentationml/2006/main">
+  <p:cSld>
+    <p:spTree>
+      <p:nvGrpSpPr>
+        <p:cNvPr id="1" name=""/>
+        <p:cNvGrpSpPr/>
+        <p:nvPr/>
+      </p:nvGrpSpPr>
+      <p:grpSpPr>
+        <a:xfrm>
+          <a:off x="0" y="0"/>
+          <a:ext cx="0" cy="0"/>
+          <a:chOff x="0" y="0"/>
+          <a:chExt cx="0" cy="0"/>
+        </a:xfrm>
+      </p:grpSpPr>
+      <p:sp>
+        <p:nvSpPr>
+          <p:cNvPr id="8194" name="Rectangle 2"/>
+          <p:cNvSpPr>
+            <a:spLocks noGrp="1" noChangeArrowheads="1"/>
+          </p:cNvSpPr>
+          <p:nvPr>
+            <p:ph type="title"/>
+          </p:nvPr>
+        </p:nvSpPr>
+        <p:spPr/>
+        <p:txBody>
+          <a:bodyPr/>
+          <a:lstStyle/>
+          <a:p>
+            <a:r>
+              <a:rPr lang="en-US" altLang="en-US"/>
+              <a:t>Logic of Meta-Analysis</a:t>
+            </a:r>
+          </a:p>
+        </p:txBody>
+      </p:sp>
+      <p:sp>
+        <p:nvSpPr>
+          <p:cNvPr id="8195" name="Rectangle 3"/>
+          <p:cNvSpPr>
+            <a:spLocks noGrp="1" noChangeArrowheads="1"/>
+          </p:cNvSpPr>
+          <p:nvPr>
+            <p:ph idx="1"/>
+          </p:nvPr>
+        </p:nvSpPr>
+        <p:spPr/>
+        <p:txBody>
+          <a:bodyPr>
+            <a:normAutofit fontScale="92500" lnSpcReduction="20000"/>
+          </a:bodyPr>
+          <a:lstStyle/>
+          <a:p>
+            <a:r>
+              <a:rPr lang="en-US" altLang="en-US" dirty="0"/>
+              <a:t>Traditional narrative reviews are biased</a:t>
+            </a:r>
+          </a:p>
+          <a:p>
+            <a:pPr lvl="1"/>
+            <a:r>
+              <a:rPr lang="en-US" altLang="en-US" dirty="0"/>
+              <a:t>Cannot be comprehensive</a:t>
+            </a:r>
+          </a:p>
+          <a:p>
+            <a:pPr lvl="1"/>
+            <a:r>
+              <a:rPr lang="en-US" altLang="en-US" dirty="0"/>
+              <a:t>Often reflects reviewer bias</a:t>
+            </a:r>
+          </a:p>
+          <a:p>
+            <a:pPr lvl="1"/>
+            <a:r>
+              <a:rPr lang="en-US" altLang="en-US" dirty="0"/>
+              <a:t>Typical focus on statistical significance testing</a:t>
+            </a:r>
+          </a:p>
+          <a:p>
+            <a:r>
+              <a:rPr lang="en-US" altLang="en-US" dirty="0"/>
+              <a:t>Significance testing misleads scientific inquiry</a:t>
+            </a:r>
+          </a:p>
+          <a:p>
+            <a:pPr lvl="1"/>
+            <a:r>
+              <a:rPr lang="en-US" altLang="en-US" dirty="0"/>
+              <a:t>Highly dependent on sample size</a:t>
+            </a:r>
+          </a:p>
+          <a:p>
+            <a:pPr lvl="1"/>
+            <a:r>
+              <a:rPr lang="en-US" altLang="en-US" dirty="0"/>
+              <a:t>Highly dependent on size of population effect</a:t>
+            </a:r>
+          </a:p>
+          <a:p>
+            <a:pPr lvl="1"/>
+            <a:r>
+              <a:rPr lang="en-US" altLang="en-US" dirty="0"/>
+              <a:t>Null findings not given the same “weight” as significant findings</a:t>
+            </a:r>
+          </a:p>
+          <a:p>
+            <a:r>
+              <a:rPr lang="en-US" altLang="en-US" dirty="0"/>
+              <a:t>Meta-analysis changes the focus to the direction and magnitude of the effects across studies</a:t>
+            </a:r>
+          </a:p>
+          <a:p>
+            <a:pPr lvl="1"/>
+            <a:r>
+              <a:rPr lang="en-US" altLang="en-US" dirty="0"/>
+              <a:t>Direction and magnitude represented by the effect size</a:t>
+            </a:r>
+          </a:p>
+          <a:p>
+            <a:endParaRPr lang="en-US" altLang="en-US" dirty="0"/>
+          </a:p>
+        </p:txBody>
+      </p:sp>
+    </p:spTree>
+    <p:extLst>
+      <p:ext uri="{BB962C8B-B14F-4D97-AF65-F5344CB8AC3E}">
+        <p14:creationId xmlns:p14="http://schemas.microsoft.com/office/powerpoint/2010/main" val="2393240205"/>
+      </p:ext>
+    </p:extLst>
+  </p:cSld>
+  <p:clrMapOvr>
+    <a:masterClrMapping/>
+  </p:clrMapOvr>
+</p:sld>
+</file>
+
+<file path=ppt/slides/slide9.xml><?xml version="1.0" encoding="utf-8"?>
 <p:sld xmlns:a="http://schemas.openxmlformats.org/drawingml/2006/main" xmlns:r="http://schemas.openxmlformats.org/officeDocument/2006/relationships" xmlns:p="http://schemas.openxmlformats.org/presentationml/2006/main">
   <p:cSld>
     <p:spTree>
@@ -25686,7 +26083,7 @@
           <a:p>
             <a:r>
               <a:rPr lang="en-US"/>
-              <a:t>Meta-analytic reviews</a:t>
+              <a:t>Applications of meta-analysis</a:t>
             </a:r>
           </a:p>
         </p:txBody>
@@ -25703,179 +26100,66 @@
         </p:nvSpPr>
         <p:spPr/>
         <p:txBody>
-          <a:bodyPr>
-            <a:normAutofit fontScale="92500" lnSpcReduction="10000"/>
-          </a:bodyPr>
+          <a:bodyPr/>
           <a:lstStyle/>
           <a:p>
             <a:r>
+              <a:rPr lang="en-US" sz="3600" dirty="0"/>
+              <a:t>Meta-analytic reviews</a:t>
+            </a:r>
+          </a:p>
+          <a:p>
+            <a:endParaRPr lang="en-US" sz="3600" dirty="0"/>
+          </a:p>
+          <a:p>
+            <a:r>
+              <a:rPr lang="en-US" sz="3600" dirty="0"/>
+              <a:t>Meta-analyses with primary data</a:t>
+            </a:r>
+          </a:p>
+          <a:p>
+            <a:pPr lvl="1"/>
+            <a:r>
               <a:rPr lang="en-US" dirty="0"/>
-              <a:t>Meta-analysis is most frequently applied when conducting a review of a research literature</a:t>
+              <a:t>Multi-site studies</a:t>
+            </a:r>
+          </a:p>
+          <a:p>
+            <a:pPr lvl="2"/>
+            <a:r>
+              <a:rPr lang="en-US" dirty="0"/>
+              <a:t>E.g., multiple clinics, multiple organizations, multiple schools</a:t>
             </a:r>
           </a:p>
           <a:p>
             <a:pPr lvl="1"/>
             <a:r>
               <a:rPr lang="en-US" dirty="0"/>
-              <a:t>As an alternative to narrative reviews</a:t>
-            </a:r>
-          </a:p>
-          <a:p>
+              <a:t>Multiple group/moderator analyses</a:t>
+            </a:r>
+          </a:p>
+          <a:p>
+            <a:pPr lvl="2"/>
+            <a:r>
+              <a:rPr lang="en-US" dirty="0"/>
+              <a:t>Different job families, different patient populations, different countries or cultures</a:t>
+            </a:r>
+          </a:p>
+          <a:p>
+            <a:pPr marL="914524" lvl="2" indent="0">
+              <a:buNone/>
+            </a:pPr>
             <a:endParaRPr lang="en-US" dirty="0"/>
           </a:p>
           <a:p>
-            <a:r>
-              <a:rPr lang="en-US" dirty="0"/>
-              <a:t>A meta-analytic review is only useful if the review is carefully conducted and comprehensive</a:t>
-            </a:r>
-          </a:p>
-          <a:p>
-            <a:pPr lvl="1"/>
-            <a:r>
-              <a:rPr lang="en-US" dirty="0"/>
-              <a:t>Medical meta-analyses are highly concerned with the quality of the review</a:t>
-            </a:r>
-          </a:p>
-          <a:p>
-            <a:pPr lvl="1"/>
-            <a:r>
-              <a:rPr lang="en-US" dirty="0"/>
-              <a:t>Many psychology meta-analyses are rather sloppy with their review methods</a:t>
-            </a:r>
-          </a:p>
-          <a:p>
-            <a:pPr lvl="2"/>
-            <a:r>
-              <a:rPr lang="en-US" dirty="0"/>
-              <a:t>This has been improving in recent years</a:t>
-            </a:r>
-          </a:p>
-          <a:p>
-            <a:endParaRPr lang="en-US" dirty="0"/>
+            <a:endParaRPr lang="en-US" sz="3600" dirty="0"/>
           </a:p>
         </p:txBody>
       </p:sp>
     </p:spTree>
     <p:extLst>
       <p:ext uri="{BB962C8B-B14F-4D97-AF65-F5344CB8AC3E}">
-        <p14:creationId xmlns:p14="http://schemas.microsoft.com/office/powerpoint/2010/main" val="669617713"/>
-      </p:ext>
-    </p:extLst>
-  </p:cSld>
-  <p:clrMapOvr>
-    <a:masterClrMapping/>
-  </p:clrMapOvr>
-</p:sld>
-</file>
-
-<file path=ppt/slides/slide9.xml><?xml version="1.0" encoding="utf-8"?>
-<p:sld xmlns:a="http://schemas.openxmlformats.org/drawingml/2006/main" xmlns:r="http://schemas.openxmlformats.org/officeDocument/2006/relationships" xmlns:p="http://schemas.openxmlformats.org/presentationml/2006/main">
-  <p:cSld>
-    <p:spTree>
-      <p:nvGrpSpPr>
-        <p:cNvPr id="1" name=""/>
-        <p:cNvGrpSpPr/>
-        <p:nvPr/>
-      </p:nvGrpSpPr>
-      <p:grpSpPr>
-        <a:xfrm>
-          <a:off x="0" y="0"/>
-          <a:ext cx="0" cy="0"/>
-          <a:chOff x="0" y="0"/>
-          <a:chExt cx="0" cy="0"/>
-        </a:xfrm>
-      </p:grpSpPr>
-      <p:sp>
-        <p:nvSpPr>
-          <p:cNvPr id="9218" name="Rectangle 2"/>
-          <p:cNvSpPr>
-            <a:spLocks noGrp="1" noChangeArrowheads="1"/>
-          </p:cNvSpPr>
-          <p:nvPr>
-            <p:ph type="title"/>
-          </p:nvPr>
-        </p:nvSpPr>
-        <p:spPr/>
-        <p:txBody>
-          <a:bodyPr/>
-          <a:lstStyle/>
-          <a:p>
-            <a:r>
-              <a:rPr lang="en-US" altLang="en-US"/>
-              <a:t>When Can You Do Meta-analysis?</a:t>
-            </a:r>
-          </a:p>
-        </p:txBody>
-      </p:sp>
-      <p:sp>
-        <p:nvSpPr>
-          <p:cNvPr id="9219" name="Rectangle 3"/>
-          <p:cNvSpPr>
-            <a:spLocks noGrp="1" noChangeArrowheads="1"/>
-          </p:cNvSpPr>
-          <p:nvPr>
-            <p:ph type="body" idx="1"/>
-          </p:nvPr>
-        </p:nvSpPr>
-        <p:spPr/>
-        <p:txBody>
-          <a:bodyPr/>
-          <a:lstStyle/>
-          <a:p>
-            <a:r>
-              <a:rPr lang="en-US" altLang="en-US" dirty="0"/>
-              <a:t>Meta-analysis is applicable to research studies that</a:t>
-            </a:r>
-          </a:p>
-          <a:p>
-            <a:pPr lvl="1"/>
-            <a:r>
-              <a:rPr lang="en-US" altLang="en-US" sz="2600" dirty="0"/>
-              <a:t>Are empirical</a:t>
-            </a:r>
-          </a:p>
-          <a:p>
-            <a:pPr lvl="1"/>
-            <a:r>
-              <a:rPr lang="en-US" altLang="en-US" sz="2600" dirty="0"/>
-              <a:t>Produce </a:t>
-            </a:r>
-            <a:r>
-              <a:rPr lang="en-US" altLang="en-US" sz="2600" u="sng" dirty="0"/>
-              <a:t>quantitative</a:t>
-            </a:r>
-            <a:r>
-              <a:rPr lang="en-US" altLang="en-US" sz="2600" dirty="0"/>
-              <a:t> results</a:t>
-            </a:r>
-          </a:p>
-          <a:p>
-            <a:pPr lvl="1"/>
-            <a:r>
-              <a:rPr lang="en-US" altLang="en-US" sz="2600" dirty="0"/>
-              <a:t>Examine the same constructs/variables and relationships</a:t>
-            </a:r>
-          </a:p>
-          <a:p>
-            <a:pPr lvl="1"/>
-            <a:r>
-              <a:rPr lang="en-US" altLang="en-US" sz="2600" dirty="0"/>
-              <a:t>Have findings that can be expressed in a comparable statistical form (i.e., effect sizes: mean differences, correlation coefficients, odds-ratios, proportions, etc.)</a:t>
-            </a:r>
-          </a:p>
-          <a:p>
-            <a:pPr lvl="1"/>
-            <a:r>
-              <a:rPr lang="en-US" altLang="en-US" sz="2600" dirty="0"/>
-              <a:t>Are substantively “comparable” given the question at hand</a:t>
-            </a:r>
-          </a:p>
-        </p:txBody>
-      </p:sp>
-    </p:spTree>
-    <p:extLst>
-      <p:ext uri="{BB962C8B-B14F-4D97-AF65-F5344CB8AC3E}">
-        <p14:creationId xmlns:p14="http://schemas.microsoft.com/office/powerpoint/2010/main" val="3237798787"/>
+        <p14:creationId xmlns:p14="http://schemas.microsoft.com/office/powerpoint/2010/main" val="2745640192"/>
       </p:ext>
     </p:extLst>
   </p:cSld>
@@ -26442,6 +26726,12 @@
 </file>
 
 <file path=customXml/item1.xml><?xml version="1.0" encoding="utf-8"?>
+<p:properties xmlns:p="http://schemas.microsoft.com/office/2006/metadata/properties" xmlns:xsi="http://www.w3.org/2001/XMLSchema-instance" xmlns:pc="http://schemas.microsoft.com/office/infopath/2007/PartnerControls">
+  <documentManagement/>
+</p:properties>
+</file>
+
+<file path=customXml/item2.xml><?xml version="1.0" encoding="utf-8"?>
 <?mso-contentType ?>
 <FormTemplates xmlns="http://schemas.microsoft.com/sharepoint/v3/contenttype/forms">
   <Display>DocumentLibraryForm</Display>
@@ -26450,7 +26740,7 @@
 </FormTemplates>
 </file>
 
-<file path=customXml/item2.xml><?xml version="1.0" encoding="utf-8"?>
+<file path=customXml/item3.xml><?xml version="1.0" encoding="utf-8"?>
 <ct:contentTypeSchema xmlns:ct="http://schemas.microsoft.com/office/2006/metadata/contentType" xmlns:ma="http://schemas.microsoft.com/office/2006/metadata/properties/metaAttributes" ct:_="" ma:_="" ma:contentTypeName="Document" ma:contentTypeID="0x010100C510C8780454A64385BF21049B1850C5" ma:contentTypeVersion="7" ma:contentTypeDescription="Create a new document." ma:contentTypeScope="" ma:versionID="47a68a81adc4e0e7972bb95a1a99f0b4">
   <xsd:schema xmlns:xsd="http://www.w3.org/2001/XMLSchema" xmlns:xs="http://www.w3.org/2001/XMLSchema" xmlns:p="http://schemas.microsoft.com/office/2006/metadata/properties" xmlns:ns2="d0331357-42e6-4e40-bf0a-1c2f9464db1b" targetNamespace="http://schemas.microsoft.com/office/2006/metadata/properties" ma:root="true" ma:fieldsID="01ec8d09ee7b5b75bd0cb813fd513e00" ns2:_="">
     <xsd:import namespace="d0331357-42e6-4e40-bf0a-1c2f9464db1b"/>
@@ -26614,13 +26904,22 @@
 </ct:contentTypeSchema>
 </file>
 
-<file path=customXml/item3.xml><?xml version="1.0" encoding="utf-8"?>
-<p:properties xmlns:p="http://schemas.microsoft.com/office/2006/metadata/properties" xmlns:xsi="http://www.w3.org/2001/XMLSchema-instance" xmlns:pc="http://schemas.microsoft.com/office/infopath/2007/PartnerControls">
-  <documentManagement/>
-</p:properties>
+<file path=customXml/itemProps1.xml><?xml version="1.0" encoding="utf-8"?>
+<ds:datastoreItem xmlns:ds="http://schemas.openxmlformats.org/officeDocument/2006/customXml" ds:itemID="{11197415-BC9D-4352-8615-FFE6194E5163}">
+  <ds:schemaRefs>
+    <ds:schemaRef ds:uri="http://purl.org/dc/dcmitype/"/>
+    <ds:schemaRef ds:uri="http://purl.org/dc/elements/1.1/"/>
+    <ds:schemaRef ds:uri="http://purl.org/dc/terms/"/>
+    <ds:schemaRef ds:uri="http://schemas.microsoft.com/office/2006/documentManagement/types"/>
+    <ds:schemaRef ds:uri="http://schemas.microsoft.com/office/2006/metadata/properties"/>
+    <ds:schemaRef ds:uri="http://schemas.microsoft.com/office/infopath/2007/PartnerControls"/>
+    <ds:schemaRef ds:uri="http://schemas.openxmlformats.org/package/2006/metadata/core-properties"/>
+    <ds:schemaRef ds:uri="http://www.w3.org/XML/1998/namespace"/>
+  </ds:schemaRefs>
+</ds:datastoreItem>
 </file>
 
-<file path=customXml/itemProps1.xml><?xml version="1.0" encoding="utf-8"?>
+<file path=customXml/itemProps2.xml><?xml version="1.0" encoding="utf-8"?>
 <ds:datastoreItem xmlns:ds="http://schemas.openxmlformats.org/officeDocument/2006/customXml" ds:itemID="{65F011C9-6572-4E3B-BA4C-E687532965A9}">
   <ds:schemaRefs>
     <ds:schemaRef ds:uri="http://schemas.microsoft.com/sharepoint/v3/contenttype/forms"/>
@@ -26628,7 +26927,7 @@
 </ds:datastoreItem>
 </file>
 
-<file path=customXml/itemProps2.xml><?xml version="1.0" encoding="utf-8"?>
+<file path=customXml/itemProps3.xml><?xml version="1.0" encoding="utf-8"?>
 <ds:datastoreItem xmlns:ds="http://schemas.openxmlformats.org/officeDocument/2006/customXml" ds:itemID="{8E01F417-FF7B-490D-BC83-D2E21BA12BB0}">
   <ds:schemaRefs>
     <ds:schemaRef ds:uri="d0331357-42e6-4e40-bf0a-1c2f9464db1b"/>
@@ -26644,19 +26943,4 @@
     <ds:schemaRef ds:uri="http://www.w3.org/2001/XMLSchema"/>
   </ds:schemaRefs>
 </ds:datastoreItem>
-</file>
-
-<file path=customXml/itemProps3.xml><?xml version="1.0" encoding="utf-8"?>
-<ds:datastoreItem xmlns:ds="http://schemas.openxmlformats.org/officeDocument/2006/customXml" ds:itemID="{11197415-BC9D-4352-8615-FFE6194E5163}">
-  <ds:schemaRefs>
-    <ds:schemaRef ds:uri="http://purl.org/dc/dcmitype/"/>
-    <ds:schemaRef ds:uri="http://purl.org/dc/elements/1.1/"/>
-    <ds:schemaRef ds:uri="http://purl.org/dc/terms/"/>
-    <ds:schemaRef ds:uri="http://schemas.microsoft.com/office/2006/documentManagement/types"/>
-    <ds:schemaRef ds:uri="http://schemas.microsoft.com/office/2006/metadata/properties"/>
-    <ds:schemaRef ds:uri="http://schemas.microsoft.com/office/infopath/2007/PartnerControls"/>
-    <ds:schemaRef ds:uri="http://schemas.openxmlformats.org/package/2006/metadata/core-properties"/>
-    <ds:schemaRef ds:uri="http://www.w3.org/XML/1998/namespace"/>
-  </ds:schemaRefs>
-</ds:datastoreItem>
 </file>
--- a/slides/01_meta-analytic-thinking.pptx
+++ b/slides/01_meta-analytic-thinking.pptx
@@ -3594,7 +3594,7 @@
           <a:p>
             <a:fld id="{A5B9E9DD-BE87-46D0-98E6-18D835742F3D}" type="datetimeFigureOut">
               <a:rPr lang="en-US" smtClean="0"/>
-              <a:t>3/7/2022</a:t>
+              <a:t>3/9/2022</a:t>
             </a:fld>
             <a:endParaRPr lang="en-US"/>
           </a:p>
@@ -15231,8 +15231,8 @@
           </p:sp>
         </mc:Fallback>
       </mc:AlternateContent>
-      <mc:AlternateContent xmlns:mc="http://schemas.openxmlformats.org/markup-compatibility/2006">
-        <mc:Choice xmlns:a14="http://schemas.microsoft.com/office/drawing/2010/main" Requires="a14">
+      <mc:AlternateContent xmlns:mc="http://schemas.openxmlformats.org/markup-compatibility/2006" xmlns:a14="http://schemas.microsoft.com/office/drawing/2010/main">
+        <mc:Choice Requires="a14">
           <p:sp>
             <p:nvSpPr>
               <p:cNvPr id="6" name="Rectangle 5">
@@ -15487,7 +15487,7 @@
             </p:txBody>
           </p:sp>
         </mc:Choice>
-        <mc:Fallback>
+        <mc:Fallback xmlns="">
           <p:sp>
             <p:nvSpPr>
               <p:cNvPr id="6" name="Rectangle 5">
@@ -16491,8 +16491,8 @@
           </a:p>
         </p:txBody>
       </p:sp>
-      <mc:AlternateContent xmlns:mc="http://schemas.openxmlformats.org/markup-compatibility/2006">
-        <mc:Choice xmlns:a14="http://schemas.microsoft.com/office/drawing/2010/main" Requires="a14">
+      <mc:AlternateContent xmlns:mc="http://schemas.openxmlformats.org/markup-compatibility/2006" xmlns:a14="http://schemas.microsoft.com/office/drawing/2010/main">
+        <mc:Choice Requires="a14">
           <p:sp>
             <p:nvSpPr>
               <p:cNvPr id="3" name="Content Placeholder 2">
@@ -17255,7 +17255,7 @@
             </p:txBody>
           </p:sp>
         </mc:Choice>
-        <mc:Fallback>
+        <mc:Fallback xmlns="">
           <p:sp>
             <p:nvSpPr>
               <p:cNvPr id="3" name="Content Placeholder 2">
@@ -17396,8 +17396,8 @@
           </a:p>
         </p:txBody>
       </p:sp>
-      <mc:AlternateContent xmlns:mc="http://schemas.openxmlformats.org/markup-compatibility/2006">
-        <mc:Choice xmlns:a14="http://schemas.microsoft.com/office/drawing/2010/main" Requires="a14">
+      <mc:AlternateContent xmlns:mc="http://schemas.openxmlformats.org/markup-compatibility/2006" xmlns:a14="http://schemas.microsoft.com/office/drawing/2010/main">
+        <mc:Choice Requires="a14">
           <p:sp>
             <p:nvSpPr>
               <p:cNvPr id="3" name="Content Placeholder 2">
@@ -18179,7 +18179,7 @@
             </p:txBody>
           </p:sp>
         </mc:Choice>
-        <mc:Fallback>
+        <mc:Fallback xmlns="">
           <p:sp>
             <p:nvSpPr>
               <p:cNvPr id="3" name="Content Placeholder 2">
@@ -25660,6 +25660,13 @@
             <a:endParaRPr lang="en-US" dirty="0"/>
           </a:p>
           <a:p>
+            <a:pPr lvl="1"/>
+            <a:r>
+              <a:rPr lang="en-US" i="1" dirty="0"/>
+              <a:t>Practical meta-analysis</a:t>
+            </a:r>
+          </a:p>
+          <a:p>
             <a:endParaRPr lang="en-US" dirty="0"/>
           </a:p>
           <a:p>
@@ -26726,21 +26733,6 @@
 </file>
 
 <file path=customXml/item1.xml><?xml version="1.0" encoding="utf-8"?>
-<p:properties xmlns:p="http://schemas.microsoft.com/office/2006/metadata/properties" xmlns:xsi="http://www.w3.org/2001/XMLSchema-instance" xmlns:pc="http://schemas.microsoft.com/office/infopath/2007/PartnerControls">
-  <documentManagement/>
-</p:properties>
-</file>
-
-<file path=customXml/item2.xml><?xml version="1.0" encoding="utf-8"?>
-<?mso-contentType ?>
-<FormTemplates xmlns="http://schemas.microsoft.com/sharepoint/v3/contenttype/forms">
-  <Display>DocumentLibraryForm</Display>
-  <Edit>DocumentLibraryForm</Edit>
-  <New>DocumentLibraryForm</New>
-</FormTemplates>
-</file>
-
-<file path=customXml/item3.xml><?xml version="1.0" encoding="utf-8"?>
 <ct:contentTypeSchema xmlns:ct="http://schemas.microsoft.com/office/2006/metadata/contentType" xmlns:ma="http://schemas.microsoft.com/office/2006/metadata/properties/metaAttributes" ct:_="" ma:_="" ma:contentTypeName="Document" ma:contentTypeID="0x010100C510C8780454A64385BF21049B1850C5" ma:contentTypeVersion="7" ma:contentTypeDescription="Create a new document." ma:contentTypeScope="" ma:versionID="47a68a81adc4e0e7972bb95a1a99f0b4">
   <xsd:schema xmlns:xsd="http://www.w3.org/2001/XMLSchema" xmlns:xs="http://www.w3.org/2001/XMLSchema" xmlns:p="http://schemas.microsoft.com/office/2006/metadata/properties" xmlns:ns2="d0331357-42e6-4e40-bf0a-1c2f9464db1b" targetNamespace="http://schemas.microsoft.com/office/2006/metadata/properties" ma:root="true" ma:fieldsID="01ec8d09ee7b5b75bd0cb813fd513e00" ns2:_="">
     <xsd:import namespace="d0331357-42e6-4e40-bf0a-1c2f9464db1b"/>
@@ -26904,30 +26896,22 @@
 </ct:contentTypeSchema>
 </file>
 
-<file path=customXml/itemProps1.xml><?xml version="1.0" encoding="utf-8"?>
-<ds:datastoreItem xmlns:ds="http://schemas.openxmlformats.org/officeDocument/2006/customXml" ds:itemID="{11197415-BC9D-4352-8615-FFE6194E5163}">
-  <ds:schemaRefs>
-    <ds:schemaRef ds:uri="http://purl.org/dc/dcmitype/"/>
-    <ds:schemaRef ds:uri="http://purl.org/dc/elements/1.1/"/>
-    <ds:schemaRef ds:uri="http://purl.org/dc/terms/"/>
-    <ds:schemaRef ds:uri="http://schemas.microsoft.com/office/2006/documentManagement/types"/>
-    <ds:schemaRef ds:uri="http://schemas.microsoft.com/office/2006/metadata/properties"/>
-    <ds:schemaRef ds:uri="http://schemas.microsoft.com/office/infopath/2007/PartnerControls"/>
-    <ds:schemaRef ds:uri="http://schemas.openxmlformats.org/package/2006/metadata/core-properties"/>
-    <ds:schemaRef ds:uri="http://www.w3.org/XML/1998/namespace"/>
-  </ds:schemaRefs>
-</ds:datastoreItem>
+<file path=customXml/item2.xml><?xml version="1.0" encoding="utf-8"?>
+<p:properties xmlns:p="http://schemas.microsoft.com/office/2006/metadata/properties" xmlns:xsi="http://www.w3.org/2001/XMLSchema-instance" xmlns:pc="http://schemas.microsoft.com/office/infopath/2007/PartnerControls">
+  <documentManagement/>
+</p:properties>
 </file>
 
-<file path=customXml/itemProps2.xml><?xml version="1.0" encoding="utf-8"?>
-<ds:datastoreItem xmlns:ds="http://schemas.openxmlformats.org/officeDocument/2006/customXml" ds:itemID="{65F011C9-6572-4E3B-BA4C-E687532965A9}">
-  <ds:schemaRefs>
-    <ds:schemaRef ds:uri="http://schemas.microsoft.com/sharepoint/v3/contenttype/forms"/>
-  </ds:schemaRefs>
-</ds:datastoreItem>
+<file path=customXml/item3.xml><?xml version="1.0" encoding="utf-8"?>
+<?mso-contentType ?>
+<FormTemplates xmlns="http://schemas.microsoft.com/sharepoint/v3/contenttype/forms">
+  <Display>DocumentLibraryForm</Display>
+  <Edit>DocumentLibraryForm</Edit>
+  <New>DocumentLibraryForm</New>
+</FormTemplates>
 </file>
 
-<file path=customXml/itemProps3.xml><?xml version="1.0" encoding="utf-8"?>
+<file path=customXml/itemProps1.xml><?xml version="1.0" encoding="utf-8"?>
 <ds:datastoreItem xmlns:ds="http://schemas.openxmlformats.org/officeDocument/2006/customXml" ds:itemID="{8E01F417-FF7B-490D-BC83-D2E21BA12BB0}">
   <ds:schemaRefs>
     <ds:schemaRef ds:uri="d0331357-42e6-4e40-bf0a-1c2f9464db1b"/>
@@ -26943,4 +26927,27 @@
     <ds:schemaRef ds:uri="http://www.w3.org/2001/XMLSchema"/>
   </ds:schemaRefs>
 </ds:datastoreItem>
+</file>
+
+<file path=customXml/itemProps2.xml><?xml version="1.0" encoding="utf-8"?>
+<ds:datastoreItem xmlns:ds="http://schemas.openxmlformats.org/officeDocument/2006/customXml" ds:itemID="{11197415-BC9D-4352-8615-FFE6194E5163}">
+  <ds:schemaRefs>
+    <ds:schemaRef ds:uri="http://purl.org/dc/dcmitype/"/>
+    <ds:schemaRef ds:uri="http://purl.org/dc/elements/1.1/"/>
+    <ds:schemaRef ds:uri="http://purl.org/dc/terms/"/>
+    <ds:schemaRef ds:uri="http://schemas.microsoft.com/office/2006/documentManagement/types"/>
+    <ds:schemaRef ds:uri="http://schemas.microsoft.com/office/2006/metadata/properties"/>
+    <ds:schemaRef ds:uri="http://schemas.microsoft.com/office/infopath/2007/PartnerControls"/>
+    <ds:schemaRef ds:uri="http://schemas.openxmlformats.org/package/2006/metadata/core-properties"/>
+    <ds:schemaRef ds:uri="http://www.w3.org/XML/1998/namespace"/>
+  </ds:schemaRefs>
+</ds:datastoreItem>
+</file>
+
+<file path=customXml/itemProps3.xml><?xml version="1.0" encoding="utf-8"?>
+<ds:datastoreItem xmlns:ds="http://schemas.openxmlformats.org/officeDocument/2006/customXml" ds:itemID="{65F011C9-6572-4E3B-BA4C-E687532965A9}">
+  <ds:schemaRefs>
+    <ds:schemaRef ds:uri="http://schemas.microsoft.com/sharepoint/v3/contenttype/forms"/>
+  </ds:schemaRefs>
+</ds:datastoreItem>
 </file>
--- a/slides/01_meta-analytic-thinking.pptx
+++ b/slides/01_meta-analytic-thinking.pptx
@@ -3594,7 +3594,7 @@
           <a:p>
             <a:fld id="{A5B9E9DD-BE87-46D0-98E6-18D835742F3D}" type="datetimeFigureOut">
               <a:rPr lang="en-US" smtClean="0"/>
-              <a:t>3/9/2022</a:t>
+              <a:t>3/5/23</a:t>
             </a:fld>
             <a:endParaRPr lang="en-US"/>
           </a:p>
@@ -7636,7 +7636,7 @@
         <p:spPr/>
         <p:txBody>
           <a:bodyPr>
-            <a:normAutofit fontScale="92500" lnSpcReduction="10000"/>
+            <a:normAutofit/>
           </a:bodyPr>
           <a:lstStyle/>
           <a:p>
@@ -9582,7 +9582,7 @@
         <p:spPr/>
         <p:txBody>
           <a:bodyPr>
-            <a:normAutofit fontScale="92500" lnSpcReduction="20000"/>
+            <a:normAutofit fontScale="92500"/>
           </a:bodyPr>
           <a:lstStyle/>
           <a:p>
@@ -11836,7 +11836,7 @@
         <p:spPr/>
         <p:txBody>
           <a:bodyPr>
-            <a:normAutofit fontScale="92500"/>
+            <a:normAutofit lnSpcReduction="10000"/>
           </a:bodyPr>
           <a:lstStyle/>
           <a:p>
@@ -12339,8 +12339,8 @@
           </a:p>
         </p:txBody>
       </p:sp>
-      <mc:AlternateContent xmlns:mc="http://schemas.openxmlformats.org/markup-compatibility/2006" xmlns:a14="http://schemas.microsoft.com/office/drawing/2010/main">
-        <mc:Choice Requires="a14">
+      <mc:AlternateContent xmlns:mc="http://schemas.openxmlformats.org/markup-compatibility/2006">
+        <mc:Choice xmlns:a14="http://schemas.microsoft.com/office/drawing/2010/main" Requires="a14">
           <p:sp>
             <p:nvSpPr>
               <p:cNvPr id="3" name="Content Placeholder 2"/>
@@ -12354,7 +12354,7 @@
             <p:spPr/>
             <p:txBody>
               <a:bodyPr>
-                <a:normAutofit lnSpcReduction="10000"/>
+                <a:normAutofit/>
               </a:bodyPr>
               <a:lstStyle/>
               <a:p>
@@ -12582,7 +12582,7 @@
             </p:txBody>
           </p:sp>
         </mc:Choice>
-        <mc:Fallback xmlns="">
+        <mc:Fallback>
           <p:sp>
             <p:nvSpPr>
               <p:cNvPr id="3" name="Content Placeholder 2"/>
@@ -12597,7 +12597,7 @@
               <a:blipFill>
                 <a:blip r:embed="rId2"/>
                 <a:stretch>
-                  <a:fillRect l="-1086" t="-2410"/>
+                  <a:fillRect l="-1086" t="-1506"/>
                 </a:stretch>
               </a:blipFill>
             </p:spPr>
@@ -15740,7 +15740,7 @@
         </p:spPr>
         <p:txBody>
           <a:bodyPr>
-            <a:normAutofit fontScale="92500"/>
+            <a:normAutofit/>
           </a:bodyPr>
           <a:lstStyle/>
           <a:p>
@@ -15894,7 +15894,7 @@
         <p:spPr/>
         <p:txBody>
           <a:bodyPr>
-            <a:normAutofit fontScale="92500" lnSpcReduction="20000"/>
+            <a:normAutofit fontScale="92500"/>
           </a:bodyPr>
           <a:lstStyle/>
           <a:p>
@@ -16279,7 +16279,7 @@
         <p:spPr/>
         <p:txBody>
           <a:bodyPr>
-            <a:normAutofit fontScale="90000"/>
+            <a:normAutofit/>
           </a:bodyPr>
           <a:lstStyle/>
           <a:p>
@@ -16309,7 +16309,7 @@
         <p:spPr/>
         <p:txBody>
           <a:bodyPr>
-            <a:normAutofit fontScale="92500" lnSpcReduction="10000"/>
+            <a:normAutofit/>
           </a:bodyPr>
           <a:lstStyle/>
           <a:p>
@@ -17396,8 +17396,8 @@
           </a:p>
         </p:txBody>
       </p:sp>
-      <mc:AlternateContent xmlns:mc="http://schemas.openxmlformats.org/markup-compatibility/2006" xmlns:a14="http://schemas.microsoft.com/office/drawing/2010/main">
-        <mc:Choice Requires="a14">
+      <mc:AlternateContent xmlns:mc="http://schemas.openxmlformats.org/markup-compatibility/2006">
+        <mc:Choice xmlns:a14="http://schemas.microsoft.com/office/drawing/2010/main" Requires="a14">
           <p:sp>
             <p:nvSpPr>
               <p:cNvPr id="3" name="Content Placeholder 2">
@@ -17422,7 +17422,7 @@
             </p:spPr>
             <p:txBody>
               <a:bodyPr>
-                <a:normAutofit lnSpcReduction="10000"/>
+                <a:normAutofit/>
               </a:bodyPr>
               <a:lstStyle/>
               <a:p>
@@ -18179,7 +18179,7 @@
             </p:txBody>
           </p:sp>
         </mc:Choice>
-        <mc:Fallback xmlns="">
+        <mc:Fallback>
           <p:sp>
             <p:nvSpPr>
               <p:cNvPr id="3" name="Content Placeholder 2">
@@ -18204,7 +18204,7 @@
               <a:blipFill>
                 <a:blip r:embed="rId2"/>
                 <a:stretch>
-                  <a:fillRect l="-1043"/>
+                  <a:fillRect l="-1086" t="-17414" b="-1319"/>
                 </a:stretch>
               </a:blipFill>
             </p:spPr>
@@ -18662,12 +18662,14 @@
             <a:spLocks noGrp="1"/>
           </p:cNvSpPr>
           <p:nvPr>
-            <p:ph idx="1"/>
+            <p:ph sz="half" idx="1"/>
           </p:nvPr>
         </p:nvSpPr>
         <p:spPr/>
         <p:txBody>
-          <a:bodyPr/>
+          <a:bodyPr>
+            <a:normAutofit fontScale="92500" lnSpcReduction="20000"/>
+          </a:bodyPr>
           <a:lstStyle/>
           <a:p>
             <a:pPr marL="0" indent="0">
@@ -18675,7 +18677,7 @@
             </a:pPr>
             <a:r>
               <a:rPr lang="en-US" dirty="0"/>
-              <a:t>Log OR ratios can be interpreted using a </a:t>
+              <a:t>Log OR can be interpreted using a </a:t>
             </a:r>
             <a:r>
               <a:rPr lang="en-US" b="1" dirty="0"/>
@@ -18689,34 +18691,229 @@
             <a:endParaRPr lang="en-US" dirty="0"/>
           </a:p>
           <a:p>
+            <a:pPr marL="0" indent="0">
+              <a:buNone/>
+            </a:pPr>
+            <a:r>
+              <a:rPr lang="en-US" dirty="0"/>
+              <a:t>Log odds: </a:t>
+            </a:r>
+          </a:p>
+          <a:p>
+            <a:pPr lvl="1"/>
             <a:r>
               <a:rPr lang="en-US" dirty="0"/>
               <a:t>0 = even, 50% probability</a:t>
             </a:r>
           </a:p>
           <a:p>
+            <a:pPr lvl="1"/>
             <a:r>
               <a:rPr lang="en-US" dirty="0"/>
               <a:t>1 = 75% probability</a:t>
             </a:r>
           </a:p>
           <a:p>
+            <a:pPr lvl="1"/>
             <a:r>
               <a:rPr lang="en-US" dirty="0"/>
               <a:t>2 = 88% probability</a:t>
             </a:r>
           </a:p>
           <a:p>
+            <a:pPr lvl="1"/>
             <a:r>
               <a:rPr lang="en-US" dirty="0"/>
               <a:t>3 = 95% probability</a:t>
             </a:r>
           </a:p>
           <a:p>
+            <a:pPr lvl="1"/>
             <a:r>
               <a:rPr lang="en-US" dirty="0"/>
               <a:t>4 = always, 98% probability</a:t>
             </a:r>
+          </a:p>
+        </p:txBody>
+      </p:sp>
+      <p:sp>
+        <p:nvSpPr>
+          <p:cNvPr id="4" name="Content Placeholder 3">
+            <a:extLst>
+              <a:ext uri="{FF2B5EF4-FFF2-40B4-BE49-F238E27FC236}">
+                <a16:creationId xmlns:a16="http://schemas.microsoft.com/office/drawing/2014/main" id="{E5D381C3-BF70-DEB6-4C0B-98F3F4EB3CA5}"/>
+              </a:ext>
+            </a:extLst>
+          </p:cNvPr>
+          <p:cNvSpPr>
+            <a:spLocks noGrp="1"/>
+          </p:cNvSpPr>
+          <p:nvPr>
+            <p:ph sz="half" idx="2"/>
+          </p:nvPr>
+        </p:nvSpPr>
+        <p:spPr/>
+        <p:txBody>
+          <a:bodyPr>
+            <a:normAutofit fontScale="92500" lnSpcReduction="20000"/>
+          </a:bodyPr>
+          <a:lstStyle/>
+          <a:p>
+            <a:pPr marL="0" indent="0">
+              <a:buNone/>
+            </a:pPr>
+            <a:r>
+              <a:rPr lang="en-US" dirty="0"/>
+              <a:t>Comparison with Cohen’s </a:t>
+            </a:r>
+            <a:r>
+              <a:rPr lang="en-US" i="1" dirty="0"/>
+              <a:t>d</a:t>
+            </a:r>
+            <a:endParaRPr lang="en-US" dirty="0"/>
+          </a:p>
+          <a:p>
+            <a:pPr lvl="1"/>
+            <a:r>
+              <a:rPr lang="en-US" dirty="0"/>
+              <a:t>See </a:t>
+            </a:r>
+            <a:r>
+              <a:rPr lang="en-US" b="0" i="0" u="sng" dirty="0">
+                <a:effectLst/>
+                <a:latin typeface="Trebuchet MS" panose="020B0703020202090204" pitchFamily="34" charset="0"/>
+                <a:hlinkClick r:id="rId2"/>
+              </a:rPr>
+              <a:t>https://doi.org/cxshr5</a:t>
+            </a:r>
+            <a:endParaRPr lang="en-US" b="0" i="0" u="sng" dirty="0">
+              <a:effectLst/>
+              <a:latin typeface="Trebuchet MS" panose="020B0703020202090204" pitchFamily="34" charset="0"/>
+            </a:endParaRPr>
+          </a:p>
+          <a:p>
+            <a:pPr lvl="1"/>
+            <a:endParaRPr lang="en-US" dirty="0"/>
+          </a:p>
+          <a:p>
+            <a:r>
+              <a:rPr lang="en-US" dirty="0"/>
+              <a:t>When base rate is 1%, </a:t>
+            </a:r>
+            <a:br>
+              <a:rPr lang="en-US" dirty="0"/>
+            </a:br>
+            <a:r>
+              <a:rPr lang="en-US" dirty="0"/>
+              <a:t>OR (log OR): </a:t>
+            </a:r>
+          </a:p>
+          <a:p>
+            <a:pPr lvl="1"/>
+            <a:r>
+              <a:rPr lang="en-US" dirty="0"/>
+              <a:t>&lt; 1.7 (.53) ∼ </a:t>
+            </a:r>
+            <a:r>
+              <a:rPr lang="en-US" i="1" dirty="0"/>
+              <a:t>d</a:t>
+            </a:r>
+            <a:r>
+              <a:rPr lang="en-US" dirty="0"/>
+              <a:t> ≲ .20 (“negligible”)</a:t>
+            </a:r>
+          </a:p>
+          <a:p>
+            <a:pPr lvl="1"/>
+            <a:r>
+              <a:rPr lang="en-US" dirty="0"/>
+              <a:t>= 1.7 (.53) ∼ </a:t>
+            </a:r>
+            <a:r>
+              <a:rPr lang="en-US" i="1" dirty="0"/>
+              <a:t>d</a:t>
+            </a:r>
+            <a:r>
+              <a:rPr lang="en-US" dirty="0"/>
+              <a:t> ≈ .20 (“small”)</a:t>
+            </a:r>
+          </a:p>
+          <a:p>
+            <a:pPr lvl="1"/>
+            <a:r>
+              <a:rPr lang="en-US" dirty="0"/>
+              <a:t>= 2.8 (1.0) ∼ </a:t>
+            </a:r>
+            <a:r>
+              <a:rPr lang="en-US" i="1" dirty="0"/>
+              <a:t>d</a:t>
+            </a:r>
+            <a:r>
+              <a:rPr lang="en-US" dirty="0"/>
+              <a:t> ≈ .40 (“medium”)</a:t>
+            </a:r>
+          </a:p>
+          <a:p>
+            <a:pPr lvl="1"/>
+            <a:r>
+              <a:rPr lang="en-US" dirty="0"/>
+              <a:t>= 4.4 (1.5) ∼ </a:t>
+            </a:r>
+            <a:r>
+              <a:rPr lang="en-US" i="1" dirty="0"/>
+              <a:t>d</a:t>
+            </a:r>
+            <a:r>
+              <a:rPr lang="en-US" dirty="0"/>
+              <a:t> ≈ .60 (“large”)</a:t>
+            </a:r>
+          </a:p>
+          <a:p>
+            <a:pPr lvl="1"/>
+            <a:r>
+              <a:rPr lang="en-US" dirty="0"/>
+              <a:t>= 6.7 (1.9) ∼ </a:t>
+            </a:r>
+            <a:r>
+              <a:rPr lang="en-US" i="1" dirty="0"/>
+              <a:t>d</a:t>
+            </a:r>
+            <a:r>
+              <a:rPr lang="en-US" dirty="0"/>
+              <a:t> ≈ .80 (“very large”)</a:t>
+            </a:r>
+          </a:p>
+          <a:p>
+            <a:pPr lvl="1"/>
+            <a:endParaRPr lang="en-US" dirty="0"/>
+          </a:p>
+          <a:p>
+            <a:r>
+              <a:rPr lang="en-US" dirty="0"/>
+              <a:t>Simple rules of thumb: </a:t>
+            </a:r>
+          </a:p>
+          <a:p>
+            <a:pPr lvl="1"/>
+            <a:r>
+              <a:rPr lang="en-US" dirty="0"/>
+              <a:t>OR &lt; 1.5 (small)</a:t>
+            </a:r>
+          </a:p>
+          <a:p>
+            <a:pPr lvl="1"/>
+            <a:r>
+              <a:rPr lang="en-US" dirty="0"/>
+              <a:t>OR &gt; 5 (large)</a:t>
+            </a:r>
+          </a:p>
+          <a:p>
+            <a:pPr lvl="1"/>
+            <a:endParaRPr lang="en-US" dirty="0"/>
+          </a:p>
+          <a:p>
+            <a:pPr lvl="1"/>
+            <a:endParaRPr lang="en-US" dirty="0"/>
           </a:p>
         </p:txBody>
       </p:sp>
@@ -23123,7 +23320,7 @@
         <p:spPr/>
         <p:txBody>
           <a:bodyPr>
-            <a:normAutofit fontScale="90000"/>
+            <a:normAutofit/>
           </a:bodyPr>
           <a:lstStyle/>
           <a:p>
@@ -23847,7 +24044,7 @@
         <p:spPr/>
         <p:txBody>
           <a:bodyPr>
-            <a:normAutofit fontScale="90000"/>
+            <a:normAutofit/>
           </a:bodyPr>
           <a:lstStyle/>
           <a:p>
@@ -24692,7 +24889,7 @@
         </p:spPr>
         <p:txBody>
           <a:bodyPr>
-            <a:normAutofit fontScale="92500"/>
+            <a:normAutofit/>
           </a:bodyPr>
           <a:lstStyle/>
           <a:p>
@@ -25491,7 +25688,7 @@
         <p:spPr/>
         <p:txBody>
           <a:bodyPr>
-            <a:normAutofit fontScale="90000"/>
+            <a:normAutofit/>
           </a:bodyPr>
           <a:lstStyle/>
           <a:p>
@@ -26733,6 +26930,15 @@
 </file>
 
 <file path=customXml/item1.xml><?xml version="1.0" encoding="utf-8"?>
+<?mso-contentType ?>
+<FormTemplates xmlns="http://schemas.microsoft.com/sharepoint/v3/contenttype/forms">
+  <Display>DocumentLibraryForm</Display>
+  <Edit>DocumentLibraryForm</Edit>
+  <New>DocumentLibraryForm</New>
+</FormTemplates>
+</file>
+
+<file path=customXml/item2.xml><?xml version="1.0" encoding="utf-8"?>
 <ct:contentTypeSchema xmlns:ct="http://schemas.microsoft.com/office/2006/metadata/contentType" xmlns:ma="http://schemas.microsoft.com/office/2006/metadata/properties/metaAttributes" ct:_="" ma:_="" ma:contentTypeName="Document" ma:contentTypeID="0x010100C510C8780454A64385BF21049B1850C5" ma:contentTypeVersion="7" ma:contentTypeDescription="Create a new document." ma:contentTypeScope="" ma:versionID="47a68a81adc4e0e7972bb95a1a99f0b4">
   <xsd:schema xmlns:xsd="http://www.w3.org/2001/XMLSchema" xmlns:xs="http://www.w3.org/2001/XMLSchema" xmlns:p="http://schemas.microsoft.com/office/2006/metadata/properties" xmlns:ns2="d0331357-42e6-4e40-bf0a-1c2f9464db1b" targetNamespace="http://schemas.microsoft.com/office/2006/metadata/properties" ma:root="true" ma:fieldsID="01ec8d09ee7b5b75bd0cb813fd513e00" ns2:_="">
     <xsd:import namespace="d0331357-42e6-4e40-bf0a-1c2f9464db1b"/>
@@ -26896,22 +27102,21 @@
 </ct:contentTypeSchema>
 </file>
 
-<file path=customXml/item2.xml><?xml version="1.0" encoding="utf-8"?>
+<file path=customXml/item3.xml><?xml version="1.0" encoding="utf-8"?>
 <p:properties xmlns:p="http://schemas.microsoft.com/office/2006/metadata/properties" xmlns:xsi="http://www.w3.org/2001/XMLSchema-instance" xmlns:pc="http://schemas.microsoft.com/office/infopath/2007/PartnerControls">
   <documentManagement/>
 </p:properties>
 </file>
 
-<file path=customXml/item3.xml><?xml version="1.0" encoding="utf-8"?>
-<?mso-contentType ?>
-<FormTemplates xmlns="http://schemas.microsoft.com/sharepoint/v3/contenttype/forms">
-  <Display>DocumentLibraryForm</Display>
-  <Edit>DocumentLibraryForm</Edit>
-  <New>DocumentLibraryForm</New>
-</FormTemplates>
+<file path=customXml/itemProps1.xml><?xml version="1.0" encoding="utf-8"?>
+<ds:datastoreItem xmlns:ds="http://schemas.openxmlformats.org/officeDocument/2006/customXml" ds:itemID="{65F011C9-6572-4E3B-BA4C-E687532965A9}">
+  <ds:schemaRefs>
+    <ds:schemaRef ds:uri="http://schemas.microsoft.com/sharepoint/v3/contenttype/forms"/>
+  </ds:schemaRefs>
+</ds:datastoreItem>
 </file>
 
-<file path=customXml/itemProps1.xml><?xml version="1.0" encoding="utf-8"?>
+<file path=customXml/itemProps2.xml><?xml version="1.0" encoding="utf-8"?>
 <ds:datastoreItem xmlns:ds="http://schemas.openxmlformats.org/officeDocument/2006/customXml" ds:itemID="{8E01F417-FF7B-490D-BC83-D2E21BA12BB0}">
   <ds:schemaRefs>
     <ds:schemaRef ds:uri="d0331357-42e6-4e40-bf0a-1c2f9464db1b"/>
@@ -26929,7 +27134,7 @@
 </ds:datastoreItem>
 </file>
 
-<file path=customXml/itemProps2.xml><?xml version="1.0" encoding="utf-8"?>
+<file path=customXml/itemProps3.xml><?xml version="1.0" encoding="utf-8"?>
 <ds:datastoreItem xmlns:ds="http://schemas.openxmlformats.org/officeDocument/2006/customXml" ds:itemID="{11197415-BC9D-4352-8615-FFE6194E5163}">
   <ds:schemaRefs>
     <ds:schemaRef ds:uri="http://purl.org/dc/dcmitype/"/>
@@ -26942,12 +27147,4 @@
     <ds:schemaRef ds:uri="http://www.w3.org/XML/1998/namespace"/>
   </ds:schemaRefs>
 </ds:datastoreItem>
-</file>
-
-<file path=customXml/itemProps3.xml><?xml version="1.0" encoding="utf-8"?>
-<ds:datastoreItem xmlns:ds="http://schemas.openxmlformats.org/officeDocument/2006/customXml" ds:itemID="{65F011C9-6572-4E3B-BA4C-E687532965A9}">
-  <ds:schemaRefs>
-    <ds:schemaRef ds:uri="http://schemas.microsoft.com/sharepoint/v3/contenttype/forms"/>
-  </ds:schemaRefs>
-</ds:datastoreItem>
 </file>
--- a/slides/01_meta-analytic-thinking.pptx
+++ b/slides/01_meta-analytic-thinking.pptx
@@ -3594,7 +3594,7 @@
           <a:p>
             <a:fld id="{A5B9E9DD-BE87-46D0-98E6-18D835742F3D}" type="datetimeFigureOut">
               <a:rPr lang="en-US" smtClean="0"/>
-              <a:t>3/5/23</a:t>
+              <a:t>3/6/23</a:t>
             </a:fld>
             <a:endParaRPr lang="en-US"/>
           </a:p>
@@ -10400,60 +10400,60 @@
           <a:lstStyle/>
           <a:p>
             <a:r>
-              <a:rPr lang="en-US"/>
+              <a:rPr lang="en-US" dirty="0"/>
               <a:t>Every one of the correlations was randomly drawn from the same sample</a:t>
             </a:r>
           </a:p>
           <a:p>
             <a:pPr lvl="1"/>
             <a:r>
-              <a:rPr lang="en-US"/>
+              <a:rPr lang="en-US" dirty="0"/>
               <a:t>Population r = .33 in all samples</a:t>
             </a:r>
           </a:p>
           <a:p>
             <a:pPr lvl="1"/>
             <a:r>
-              <a:rPr lang="en-US"/>
+              <a:rPr lang="en-US" dirty="0"/>
               <a:t>Sample r’s ranged from -.10 to .56</a:t>
             </a:r>
           </a:p>
           <a:p>
             <a:r>
-              <a:rPr lang="en-US"/>
+              <a:rPr lang="en-US" dirty="0"/>
               <a:t>The null hypothesis was never true!</a:t>
             </a:r>
           </a:p>
           <a:p>
             <a:pPr lvl="1"/>
             <a:r>
-              <a:rPr lang="en-US"/>
+              <a:rPr lang="en-US" dirty="0"/>
               <a:t>In all samples, the true r = .33</a:t>
             </a:r>
           </a:p>
           <a:p>
             <a:pPr lvl="1"/>
             <a:r>
-              <a:rPr lang="en-US"/>
+              <a:rPr lang="en-US" dirty="0"/>
               <a:t>The significance test found no relationship 11 times</a:t>
             </a:r>
           </a:p>
           <a:p>
             <a:pPr lvl="1"/>
             <a:r>
-              <a:rPr lang="en-US"/>
+              <a:rPr lang="en-US" dirty="0"/>
               <a:t>11 / 30 = </a:t>
             </a:r>
             <a:r>
-              <a:rPr lang="en-US" b="1"/>
+              <a:rPr lang="en-US" b="1" dirty="0"/>
               <a:t>Error rate of 37%</a:t>
             </a:r>
-            <a:endParaRPr lang="en-US"/>
+            <a:endParaRPr lang="en-US" dirty="0"/>
           </a:p>
           <a:p>
             <a:pPr lvl="1"/>
             <a:r>
-              <a:rPr lang="en-US"/>
+              <a:rPr lang="en-US" dirty="0"/>
               <a:t>Not an error rate of 5%!</a:t>
             </a:r>
           </a:p>
@@ -12339,8 +12339,8 @@
           </a:p>
         </p:txBody>
       </p:sp>
-      <mc:AlternateContent xmlns:mc="http://schemas.openxmlformats.org/markup-compatibility/2006">
-        <mc:Choice xmlns:a14="http://schemas.microsoft.com/office/drawing/2010/main" Requires="a14">
+      <mc:AlternateContent xmlns:mc="http://schemas.openxmlformats.org/markup-compatibility/2006" xmlns:a14="http://schemas.microsoft.com/office/drawing/2010/main">
+        <mc:Choice Requires="a14">
           <p:sp>
             <p:nvSpPr>
               <p:cNvPr id="3" name="Content Placeholder 2"/>
@@ -12582,7 +12582,7 @@
             </p:txBody>
           </p:sp>
         </mc:Choice>
-        <mc:Fallback>
+        <mc:Fallback xmlns="">
           <p:sp>
             <p:nvSpPr>
               <p:cNvPr id="3" name="Content Placeholder 2"/>
@@ -13135,7 +13135,7 @@
             <a:pPr lvl="1"/>
             <a:r>
               <a:rPr lang="en-US" dirty="0"/>
-              <a:t>Systematic reviews, advanced topics, other R topics</a:t>
+              <a:t>Systematic reviews, advanced topics, other R topics, catch up</a:t>
             </a:r>
           </a:p>
           <a:p>
@@ -19518,8 +19518,8 @@
           </a:p>
         </p:txBody>
       </p:sp>
-      <mc:AlternateContent xmlns:mc="http://schemas.openxmlformats.org/markup-compatibility/2006" xmlns:a14="http://schemas.microsoft.com/office/drawing/2010/main">
-        <mc:Choice Requires="a14">
+      <mc:AlternateContent xmlns:mc="http://schemas.openxmlformats.org/markup-compatibility/2006">
+        <mc:Choice xmlns:a14="http://schemas.microsoft.com/office/drawing/2010/main" Requires="a14">
           <p:sp>
             <p:nvSpPr>
               <p:cNvPr id="3" name="Content Placeholder 2">
@@ -20196,7 +20196,7 @@
             </p:txBody>
           </p:sp>
         </mc:Choice>
-        <mc:Fallback xmlns="">
+        <mc:Fallback>
           <p:sp>
             <p:nvSpPr>
               <p:cNvPr id="3" name="Content Placeholder 2">
@@ -26930,6 +26930,12 @@
 </file>
 
 <file path=customXml/item1.xml><?xml version="1.0" encoding="utf-8"?>
+<p:properties xmlns:p="http://schemas.microsoft.com/office/2006/metadata/properties" xmlns:xsi="http://www.w3.org/2001/XMLSchema-instance" xmlns:pc="http://schemas.microsoft.com/office/infopath/2007/PartnerControls">
+  <documentManagement/>
+</p:properties>
+</file>
+
+<file path=customXml/item2.xml><?xml version="1.0" encoding="utf-8"?>
 <?mso-contentType ?>
 <FormTemplates xmlns="http://schemas.microsoft.com/sharepoint/v3/contenttype/forms">
   <Display>DocumentLibraryForm</Display>
@@ -26938,7 +26944,7 @@
 </FormTemplates>
 </file>
 
-<file path=customXml/item2.xml><?xml version="1.0" encoding="utf-8"?>
+<file path=customXml/item3.xml><?xml version="1.0" encoding="utf-8"?>
 <ct:contentTypeSchema xmlns:ct="http://schemas.microsoft.com/office/2006/metadata/contentType" xmlns:ma="http://schemas.microsoft.com/office/2006/metadata/properties/metaAttributes" ct:_="" ma:_="" ma:contentTypeName="Document" ma:contentTypeID="0x010100C510C8780454A64385BF21049B1850C5" ma:contentTypeVersion="7" ma:contentTypeDescription="Create a new document." ma:contentTypeScope="" ma:versionID="47a68a81adc4e0e7972bb95a1a99f0b4">
   <xsd:schema xmlns:xsd="http://www.w3.org/2001/XMLSchema" xmlns:xs="http://www.w3.org/2001/XMLSchema" xmlns:p="http://schemas.microsoft.com/office/2006/metadata/properties" xmlns:ns2="d0331357-42e6-4e40-bf0a-1c2f9464db1b" targetNamespace="http://schemas.microsoft.com/office/2006/metadata/properties" ma:root="true" ma:fieldsID="01ec8d09ee7b5b75bd0cb813fd513e00" ns2:_="">
     <xsd:import namespace="d0331357-42e6-4e40-bf0a-1c2f9464db1b"/>
@@ -27102,13 +27108,22 @@
 </ct:contentTypeSchema>
 </file>
 
-<file path=customXml/item3.xml><?xml version="1.0" encoding="utf-8"?>
-<p:properties xmlns:p="http://schemas.microsoft.com/office/2006/metadata/properties" xmlns:xsi="http://www.w3.org/2001/XMLSchema-instance" xmlns:pc="http://schemas.microsoft.com/office/infopath/2007/PartnerControls">
-  <documentManagement/>
-</p:properties>
+<file path=customXml/itemProps1.xml><?xml version="1.0" encoding="utf-8"?>
+<ds:datastoreItem xmlns:ds="http://schemas.openxmlformats.org/officeDocument/2006/customXml" ds:itemID="{11197415-BC9D-4352-8615-FFE6194E5163}">
+  <ds:schemaRefs>
+    <ds:schemaRef ds:uri="http://purl.org/dc/dcmitype/"/>
+    <ds:schemaRef ds:uri="http://purl.org/dc/elements/1.1/"/>
+    <ds:schemaRef ds:uri="http://purl.org/dc/terms/"/>
+    <ds:schemaRef ds:uri="http://schemas.microsoft.com/office/2006/documentManagement/types"/>
+    <ds:schemaRef ds:uri="http://schemas.microsoft.com/office/2006/metadata/properties"/>
+    <ds:schemaRef ds:uri="http://schemas.microsoft.com/office/infopath/2007/PartnerControls"/>
+    <ds:schemaRef ds:uri="http://schemas.openxmlformats.org/package/2006/metadata/core-properties"/>
+    <ds:schemaRef ds:uri="http://www.w3.org/XML/1998/namespace"/>
+  </ds:schemaRefs>
+</ds:datastoreItem>
 </file>
 
-<file path=customXml/itemProps1.xml><?xml version="1.0" encoding="utf-8"?>
+<file path=customXml/itemProps2.xml><?xml version="1.0" encoding="utf-8"?>
 <ds:datastoreItem xmlns:ds="http://schemas.openxmlformats.org/officeDocument/2006/customXml" ds:itemID="{65F011C9-6572-4E3B-BA4C-E687532965A9}">
   <ds:schemaRefs>
     <ds:schemaRef ds:uri="http://schemas.microsoft.com/sharepoint/v3/contenttype/forms"/>
@@ -27116,7 +27131,7 @@
 </ds:datastoreItem>
 </file>
 
-<file path=customXml/itemProps2.xml><?xml version="1.0" encoding="utf-8"?>
+<file path=customXml/itemProps3.xml><?xml version="1.0" encoding="utf-8"?>
 <ds:datastoreItem xmlns:ds="http://schemas.openxmlformats.org/officeDocument/2006/customXml" ds:itemID="{8E01F417-FF7B-490D-BC83-D2E21BA12BB0}">
   <ds:schemaRefs>
     <ds:schemaRef ds:uri="d0331357-42e6-4e40-bf0a-1c2f9464db1b"/>
@@ -27132,19 +27147,4 @@
     <ds:schemaRef ds:uri="http://www.w3.org/2001/XMLSchema"/>
   </ds:schemaRefs>
 </ds:datastoreItem>
-</file>
-
-<file path=customXml/itemProps3.xml><?xml version="1.0" encoding="utf-8"?>
-<ds:datastoreItem xmlns:ds="http://schemas.openxmlformats.org/officeDocument/2006/customXml" ds:itemID="{11197415-BC9D-4352-8615-FFE6194E5163}">
-  <ds:schemaRefs>
-    <ds:schemaRef ds:uri="http://purl.org/dc/dcmitype/"/>
-    <ds:schemaRef ds:uri="http://purl.org/dc/elements/1.1/"/>
-    <ds:schemaRef ds:uri="http://purl.org/dc/terms/"/>
-    <ds:schemaRef ds:uri="http://schemas.microsoft.com/office/2006/documentManagement/types"/>
-    <ds:schemaRef ds:uri="http://schemas.microsoft.com/office/2006/metadata/properties"/>
-    <ds:schemaRef ds:uri="http://schemas.microsoft.com/office/infopath/2007/PartnerControls"/>
-    <ds:schemaRef ds:uri="http://schemas.openxmlformats.org/package/2006/metadata/core-properties"/>
-    <ds:schemaRef ds:uri="http://www.w3.org/XML/1998/namespace"/>
-  </ds:schemaRefs>
-</ds:datastoreItem>
 </file>